--- a/PPT Damin.pptx
+++ b/PPT Damin.pptx
@@ -5,17 +5,19 @@
     <p:sldMasterId id="2147483648" r:id="rId1"/>
   </p:sldMasterIdLst>
   <p:notesMasterIdLst>
-    <p:notesMasterId r:id="rId10"/>
+    <p:notesMasterId r:id="rId12"/>
   </p:notesMasterIdLst>
   <p:sldIdLst>
     <p:sldId id="256" r:id="rId2"/>
     <p:sldId id="275" r:id="rId3"/>
-    <p:sldId id="276" r:id="rId4"/>
-    <p:sldId id="277" r:id="rId5"/>
-    <p:sldId id="278" r:id="rId6"/>
-    <p:sldId id="279" r:id="rId7"/>
-    <p:sldId id="281" r:id="rId8"/>
-    <p:sldId id="280" r:id="rId9"/>
+    <p:sldId id="284" r:id="rId4"/>
+    <p:sldId id="285" r:id="rId5"/>
+    <p:sldId id="276" r:id="rId6"/>
+    <p:sldId id="277" r:id="rId7"/>
+    <p:sldId id="278" r:id="rId8"/>
+    <p:sldId id="279" r:id="rId9"/>
+    <p:sldId id="281" r:id="rId10"/>
+    <p:sldId id="280" r:id="rId11"/>
   </p:sldIdLst>
   <p:sldSz cx="12192000" cy="6858000"/>
   <p:notesSz cx="6858000" cy="9144000"/>
@@ -215,7 +217,7 @@
           <a:p>
             <a:fld id="{4FA77A4B-363B-46CD-B1C1-475CEA2A656D}" type="datetimeFigureOut">
               <a:rPr lang="en-US" smtClean="0"/>
-              <a:t>11/22/2018</a:t>
+              <a:t>11/23/2018</a:t>
             </a:fld>
             <a:endParaRPr lang="en-US"/>
           </a:p>
@@ -14570,7 +14572,7 @@
           <a:p>
             <a:fld id="{7AC04705-A039-4326-B193-5E40386AEC98}" type="datetime1">
               <a:rPr lang="en-US" smtClean="0"/>
-              <a:t>11/22/2018</a:t>
+              <a:t>11/23/2018</a:t>
             </a:fld>
             <a:endParaRPr lang="en-US"/>
           </a:p>
@@ -15374,6 +15376,179 @@
 </p:sld>
 </file>
 
+<file path=ppt/slides/slide10.xml><?xml version="1.0" encoding="utf-8"?>
+<p:sld xmlns:a="http://schemas.openxmlformats.org/drawingml/2006/main" xmlns:r="http://schemas.openxmlformats.org/officeDocument/2006/relationships" xmlns:p="http://schemas.openxmlformats.org/presentationml/2006/main">
+  <p:cSld>
+    <p:spTree>
+      <p:nvGrpSpPr>
+        <p:cNvPr id="1" name=""/>
+        <p:cNvGrpSpPr/>
+        <p:nvPr/>
+      </p:nvGrpSpPr>
+      <p:grpSpPr>
+        <a:xfrm>
+          <a:off x="0" y="0"/>
+          <a:ext cx="0" cy="0"/>
+          <a:chOff x="0" y="0"/>
+          <a:chExt cx="0" cy="0"/>
+        </a:xfrm>
+      </p:grpSpPr>
+      <p:sp>
+        <p:nvSpPr>
+          <p:cNvPr id="2" name="Title 1">
+            <a:extLst>
+              <a:ext uri="{FF2B5EF4-FFF2-40B4-BE49-F238E27FC236}">
+                <a16:creationId xmlns:a16="http://schemas.microsoft.com/office/drawing/2014/main" id="{CDAAB38D-205E-477B-9259-9DBC2FCCC4F8}"/>
+              </a:ext>
+            </a:extLst>
+          </p:cNvPr>
+          <p:cNvSpPr>
+            <a:spLocks noGrp="1"/>
+          </p:cNvSpPr>
+          <p:nvPr>
+            <p:ph type="title"/>
+          </p:nvPr>
+        </p:nvSpPr>
+        <p:spPr/>
+        <p:txBody>
+          <a:bodyPr/>
+          <a:lstStyle/>
+          <a:p>
+            <a:r>
+              <a:rPr lang="en-US" dirty="0" err="1"/>
+              <a:t>Screenshoot</a:t>
+            </a:r>
+            <a:r>
+              <a:rPr lang="en-US" dirty="0"/>
+              <a:t> Program Python</a:t>
+            </a:r>
+            <a:endParaRPr lang="id-ID" dirty="0"/>
+          </a:p>
+        </p:txBody>
+      </p:sp>
+      <p:sp>
+        <p:nvSpPr>
+          <p:cNvPr id="3" name="Content Placeholder 2">
+            <a:extLst>
+              <a:ext uri="{FF2B5EF4-FFF2-40B4-BE49-F238E27FC236}">
+                <a16:creationId xmlns:a16="http://schemas.microsoft.com/office/drawing/2014/main" id="{F70089A0-B6C0-4BC0-B432-874F1DC07A7D}"/>
+              </a:ext>
+            </a:extLst>
+          </p:cNvPr>
+          <p:cNvSpPr>
+            <a:spLocks noGrp="1"/>
+          </p:cNvSpPr>
+          <p:nvPr>
+            <p:ph idx="1"/>
+          </p:nvPr>
+        </p:nvSpPr>
+        <p:spPr/>
+        <p:txBody>
+          <a:bodyPr/>
+          <a:lstStyle/>
+          <a:p>
+            <a:endParaRPr lang="id-ID"/>
+          </a:p>
+        </p:txBody>
+      </p:sp>
+      <p:sp>
+        <p:nvSpPr>
+          <p:cNvPr id="4" name="Footer Placeholder 3">
+            <a:extLst>
+              <a:ext uri="{FF2B5EF4-FFF2-40B4-BE49-F238E27FC236}">
+                <a16:creationId xmlns:a16="http://schemas.microsoft.com/office/drawing/2014/main" id="{1818712A-AA4A-48AD-B519-038F48C7DAA7}"/>
+              </a:ext>
+            </a:extLst>
+          </p:cNvPr>
+          <p:cNvSpPr>
+            <a:spLocks noGrp="1"/>
+          </p:cNvSpPr>
+          <p:nvPr>
+            <p:ph type="ftr" sz="quarter" idx="11"/>
+          </p:nvPr>
+        </p:nvSpPr>
+        <p:spPr/>
+        <p:txBody>
+          <a:bodyPr/>
+          <a:lstStyle/>
+          <a:p>
+            <a:pPr algn="l"/>
+            <a:r>
+              <a:rPr lang="en-US"/>
+              <a:t>www.telkomuniversity.ac.id | www.apkit.co.id</a:t>
+            </a:r>
+            <a:endParaRPr lang="en-US" dirty="0"/>
+          </a:p>
+        </p:txBody>
+      </p:sp>
+      <p:sp>
+        <p:nvSpPr>
+          <p:cNvPr id="5" name="Slide Number Placeholder 4">
+            <a:extLst>
+              <a:ext uri="{FF2B5EF4-FFF2-40B4-BE49-F238E27FC236}">
+                <a16:creationId xmlns:a16="http://schemas.microsoft.com/office/drawing/2014/main" id="{43371362-1484-4988-918A-E2D2FB89A576}"/>
+              </a:ext>
+            </a:extLst>
+          </p:cNvPr>
+          <p:cNvSpPr>
+            <a:spLocks noGrp="1"/>
+          </p:cNvSpPr>
+          <p:nvPr>
+            <p:ph type="sldNum" sz="quarter" idx="12"/>
+          </p:nvPr>
+        </p:nvSpPr>
+        <p:spPr/>
+        <p:txBody>
+          <a:bodyPr/>
+          <a:lstStyle/>
+          <a:p>
+            <a:fld id="{D91F020E-B203-4E52-A939-A854FDEDA53C}" type="slidenum">
+              <a:rPr lang="en-US" smtClean="0"/>
+              <a:pPr/>
+              <a:t>10</a:t>
+            </a:fld>
+            <a:endParaRPr lang="en-US"/>
+          </a:p>
+        </p:txBody>
+      </p:sp>
+      <p:sp>
+        <p:nvSpPr>
+          <p:cNvPr id="6" name="Text Placeholder 5">
+            <a:extLst>
+              <a:ext uri="{FF2B5EF4-FFF2-40B4-BE49-F238E27FC236}">
+                <a16:creationId xmlns:a16="http://schemas.microsoft.com/office/drawing/2014/main" id="{36159E92-D35D-4591-A566-5DEF5DF7BD80}"/>
+              </a:ext>
+            </a:extLst>
+          </p:cNvPr>
+          <p:cNvSpPr>
+            <a:spLocks noGrp="1"/>
+          </p:cNvSpPr>
+          <p:nvPr>
+            <p:ph type="body" sz="quarter" idx="13"/>
+          </p:nvPr>
+        </p:nvSpPr>
+        <p:spPr/>
+        <p:txBody>
+          <a:bodyPr/>
+          <a:lstStyle/>
+          <a:p>
+            <a:endParaRPr lang="id-ID"/>
+          </a:p>
+        </p:txBody>
+      </p:sp>
+    </p:spTree>
+    <p:extLst>
+      <p:ext uri="{BB962C8B-B14F-4D97-AF65-F5344CB8AC3E}">
+        <p14:creationId xmlns:p14="http://schemas.microsoft.com/office/powerpoint/2010/main" val="1821120341"/>
+      </p:ext>
+    </p:extLst>
+  </p:cSld>
+  <p:clrMapOvr>
+    <a:masterClrMapping/>
+  </p:clrMapOvr>
+</p:sld>
+</file>
+
 <file path=ppt/slides/slide2.xml><?xml version="1.0" encoding="utf-8"?>
 <p:sld xmlns:a="http://schemas.openxmlformats.org/drawingml/2006/main" xmlns:r="http://schemas.openxmlformats.org/officeDocument/2006/relationships" xmlns:p="http://schemas.openxmlformats.org/presentationml/2006/main">
   <p:cSld>
@@ -15846,7 +16021,7 @@
           <p:cNvPr id="2" name="Title 1">
             <a:extLst>
               <a:ext uri="{FF2B5EF4-FFF2-40B4-BE49-F238E27FC236}">
-                <a16:creationId xmlns:a16="http://schemas.microsoft.com/office/drawing/2014/main" id="{6E3AF0F6-F991-4DF9-A0CA-3144CA71FCCB}"/>
+                <a16:creationId xmlns:a16="http://schemas.microsoft.com/office/drawing/2014/main" id="{0507A542-FDC9-4122-B6BD-C862C8EB6006}"/>
               </a:ext>
             </a:extLst>
           </p:cNvPr>
@@ -15863,12 +16038,12 @@
           <a:lstStyle/>
           <a:p>
             <a:r>
+              <a:rPr lang="en-US" dirty="0" err="1"/>
+              <a:t>Contoh</a:t>
+            </a:r>
+            <a:r>
               <a:rPr lang="en-US" dirty="0"/>
-              <a:t>Data yang </a:t>
-            </a:r>
-            <a:r>
-              <a:rPr lang="en-US" dirty="0" err="1"/>
-              <a:t>Digunakan</a:t>
+              <a:t> scatter plot</a:t>
             </a:r>
             <a:endParaRPr lang="id-ID" dirty="0"/>
           </a:p>
@@ -15876,124 +16051,10 @@
       </p:sp>
       <p:sp>
         <p:nvSpPr>
-          <p:cNvPr id="3" name="Content Placeholder 2">
-            <a:extLst>
-              <a:ext uri="{FF2B5EF4-FFF2-40B4-BE49-F238E27FC236}">
-                <a16:creationId xmlns:a16="http://schemas.microsoft.com/office/drawing/2014/main" id="{745AEDFA-839A-41FE-AF4B-E1A5578E60B9}"/>
-              </a:ext>
-            </a:extLst>
-          </p:cNvPr>
-          <p:cNvSpPr>
-            <a:spLocks noGrp="1"/>
-          </p:cNvSpPr>
-          <p:nvPr>
-            <p:ph idx="1"/>
-          </p:nvPr>
-        </p:nvSpPr>
-        <p:spPr/>
-        <p:txBody>
-          <a:bodyPr/>
-          <a:lstStyle/>
-          <a:p>
-            <a:r>
-              <a:rPr lang="id-ID" dirty="0"/>
-              <a:t>Data </a:t>
-            </a:r>
-            <a:r>
-              <a:rPr lang="en-US" dirty="0"/>
-              <a:t>yang </a:t>
-            </a:r>
-            <a:r>
-              <a:rPr lang="en-US" dirty="0" err="1"/>
-              <a:t>digunakan</a:t>
-            </a:r>
-            <a:r>
-              <a:rPr lang="en-US" dirty="0"/>
-              <a:t> </a:t>
-            </a:r>
-            <a:r>
-              <a:rPr lang="en-US" dirty="0" err="1"/>
-              <a:t>adalah</a:t>
-            </a:r>
-            <a:r>
-              <a:rPr lang="en-US" dirty="0"/>
-              <a:t> </a:t>
-            </a:r>
-            <a:r>
-              <a:rPr lang="id-ID" dirty="0"/>
-              <a:t>data ekspresi gen penyakit </a:t>
-            </a:r>
-            <a:r>
-              <a:rPr lang="id-ID" dirty="0" err="1"/>
-              <a:t>colon</a:t>
-            </a:r>
-            <a:r>
-              <a:rPr lang="id-ID" dirty="0"/>
-              <a:t> cancer yang memiliki 2000 atribut input+1 </a:t>
-            </a:r>
-            <a:r>
-              <a:rPr lang="id-ID" dirty="0" err="1"/>
-              <a:t>class</a:t>
-            </a:r>
-            <a:r>
-              <a:rPr lang="id-ID" dirty="0"/>
-              <a:t>, 62 </a:t>
-            </a:r>
-            <a:r>
-              <a:rPr lang="id-ID" dirty="0" err="1"/>
-              <a:t>record</a:t>
-            </a:r>
-            <a:r>
-              <a:rPr lang="id-ID" dirty="0"/>
-              <a:t>. kemudian telah direduksi dimensi menggunakan algoritma ANFIS&amp;ACO </a:t>
-            </a:r>
-            <a:r>
-              <a:rPr lang="id-ID" dirty="0" err="1"/>
-              <a:t>shg</a:t>
-            </a:r>
-            <a:r>
-              <a:rPr lang="id-ID" dirty="0"/>
-              <a:t> menghasilkan 5 dimensi terbaik yang memberikan akurasi terbesar 84.21%</a:t>
-            </a:r>
-          </a:p>
-          <a:p>
-            <a:r>
-              <a:rPr lang="id-ID" dirty="0"/>
-              <a:t>Data </a:t>
-            </a:r>
-            <a:r>
-              <a:rPr lang="id-ID" dirty="0" err="1"/>
-              <a:t>train</a:t>
-            </a:r>
-            <a:r>
-              <a:rPr lang="id-ID" dirty="0"/>
-              <a:t> memiliki 43 </a:t>
-            </a:r>
-            <a:r>
-              <a:rPr lang="id-ID" dirty="0" err="1"/>
-              <a:t>record</a:t>
-            </a:r>
-            <a:r>
-              <a:rPr lang="id-ID" dirty="0"/>
-              <a:t> dan data testing 19 </a:t>
-            </a:r>
-            <a:r>
-              <a:rPr lang="id-ID" dirty="0" err="1"/>
-              <a:t>record</a:t>
-            </a:r>
-            <a:r>
-              <a:rPr lang="id-ID" dirty="0"/>
-              <a:t>, dengan 5 atribut/dimensi hasil reduksi</a:t>
-            </a:r>
-          </a:p>
-        </p:txBody>
-      </p:sp>
-      <p:sp>
-        <p:nvSpPr>
           <p:cNvPr id="4" name="Footer Placeholder 3">
             <a:extLst>
               <a:ext uri="{FF2B5EF4-FFF2-40B4-BE49-F238E27FC236}">
-                <a16:creationId xmlns:a16="http://schemas.microsoft.com/office/drawing/2014/main" id="{0AB7381B-E03D-40D6-8245-086786607981}"/>
+                <a16:creationId xmlns:a16="http://schemas.microsoft.com/office/drawing/2014/main" id="{DA7ED743-64DF-40DF-88A3-38B848DEE0C4}"/>
               </a:ext>
             </a:extLst>
           </p:cNvPr>
@@ -16023,7 +16084,7 @@
           <p:cNvPr id="5" name="Slide Number Placeholder 4">
             <a:extLst>
               <a:ext uri="{FF2B5EF4-FFF2-40B4-BE49-F238E27FC236}">
-                <a16:creationId xmlns:a16="http://schemas.microsoft.com/office/drawing/2014/main" id="{4BAA03F5-9F4A-44D4-803D-6A026D4BE9E9}"/>
+                <a16:creationId xmlns:a16="http://schemas.microsoft.com/office/drawing/2014/main" id="{E2FC6CB9-F0D0-487D-B045-052419300709}"/>
               </a:ext>
             </a:extLst>
           </p:cNvPr>
@@ -16053,7 +16114,7 @@
           <p:cNvPr id="6" name="Text Placeholder 5">
             <a:extLst>
               <a:ext uri="{FF2B5EF4-FFF2-40B4-BE49-F238E27FC236}">
-                <a16:creationId xmlns:a16="http://schemas.microsoft.com/office/drawing/2014/main" id="{57FDE811-9AD3-4780-B860-1DC9484394DD}"/>
+                <a16:creationId xmlns:a16="http://schemas.microsoft.com/office/drawing/2014/main" id="{54DDFBDD-37EE-48C2-AC20-1FC8FA52CD9D}"/>
               </a:ext>
             </a:extLst>
           </p:cNvPr>
@@ -16073,10 +16134,40 @@
           </a:p>
         </p:txBody>
       </p:sp>
+      <p:pic>
+        <p:nvPicPr>
+          <p:cNvPr id="7" name="Picture 6">
+            <a:extLst>
+              <a:ext uri="{FF2B5EF4-FFF2-40B4-BE49-F238E27FC236}">
+                <a16:creationId xmlns:a16="http://schemas.microsoft.com/office/drawing/2014/main" id="{11FB429B-D11D-435A-9C90-62E548D9CDE1}"/>
+              </a:ext>
+            </a:extLst>
+          </p:cNvPr>
+          <p:cNvPicPr>
+            <a:picLocks noChangeAspect="1"/>
+          </p:cNvPicPr>
+          <p:nvPr/>
+        </p:nvPicPr>
+        <p:blipFill>
+          <a:blip r:embed="rId2"/>
+          <a:stretch>
+            <a:fillRect/>
+          </a:stretch>
+        </p:blipFill>
+        <p:spPr>
+          <a:xfrm>
+            <a:off x="3341141" y="1496688"/>
+            <a:ext cx="5509718" cy="4923830"/>
+          </a:xfrm>
+          <a:prstGeom prst="rect">
+            <a:avLst/>
+          </a:prstGeom>
+        </p:spPr>
+      </p:pic>
     </p:spTree>
     <p:extLst>
       <p:ext uri="{BB962C8B-B14F-4D97-AF65-F5344CB8AC3E}">
-        <p14:creationId xmlns:p14="http://schemas.microsoft.com/office/powerpoint/2010/main" val="4290068818"/>
+        <p14:creationId xmlns:p14="http://schemas.microsoft.com/office/powerpoint/2010/main" val="3775770980"/>
       </p:ext>
     </p:extLst>
   </p:cSld>
@@ -16108,7 +16199,7 @@
           <p:cNvPr id="2" name="Title 1">
             <a:extLst>
               <a:ext uri="{FF2B5EF4-FFF2-40B4-BE49-F238E27FC236}">
-                <a16:creationId xmlns:a16="http://schemas.microsoft.com/office/drawing/2014/main" id="{0A275967-D2CE-414F-A3F2-787EACCA343A}"/>
+                <a16:creationId xmlns:a16="http://schemas.microsoft.com/office/drawing/2014/main" id="{D4180C65-9589-43C1-B9AE-A1274D3A4617}"/>
               </a:ext>
             </a:extLst>
           </p:cNvPr>
@@ -16126,11 +16217,7 @@
           <a:p>
             <a:r>
               <a:rPr lang="en-US" dirty="0"/>
-              <a:t>Tools yang </a:t>
-            </a:r>
-            <a:r>
-              <a:rPr lang="en-US" dirty="0" err="1"/>
-              <a:t>Digunakan</a:t>
+              <a:t>Optimal Hyperplane SVM</a:t>
             </a:r>
             <a:endParaRPr lang="id-ID" dirty="0"/>
           </a:p>
@@ -16141,7 +16228,7 @@
           <p:cNvPr id="3" name="Content Placeholder 2">
             <a:extLst>
               <a:ext uri="{FF2B5EF4-FFF2-40B4-BE49-F238E27FC236}">
-                <a16:creationId xmlns:a16="http://schemas.microsoft.com/office/drawing/2014/main" id="{66F5689D-079A-4356-92FD-F473DAC33F9A}"/>
+                <a16:creationId xmlns:a16="http://schemas.microsoft.com/office/drawing/2014/main" id="{78104DFE-ADB0-4F63-8694-7649BA088E10}"/>
               </a:ext>
             </a:extLst>
           </p:cNvPr>
@@ -16152,60 +16239,169 @@
             <p:ph idx="1"/>
           </p:nvPr>
         </p:nvSpPr>
-        <p:spPr/>
-        <p:txBody>
-          <a:bodyPr/>
+        <p:spPr>
+          <a:xfrm>
+            <a:off x="5894362" y="1825625"/>
+            <a:ext cx="5688037" cy="4351338"/>
+          </a:xfrm>
+        </p:spPr>
+        <p:txBody>
+          <a:bodyPr>
+            <a:normAutofit fontScale="70000" lnSpcReduction="20000"/>
+          </a:bodyPr>
           <a:lstStyle/>
           <a:p>
             <a:r>
-              <a:rPr lang="en-US" dirty="0"/>
-              <a:t>Weka</a:t>
-            </a:r>
-          </a:p>
-          <a:p>
-            <a:r>
-              <a:rPr lang="en-US" dirty="0"/>
-              <a:t>Visual Studio Code </a:t>
-            </a:r>
-            <a:r>
-              <a:rPr lang="en-US" dirty="0" err="1"/>
-              <a:t>dengan</a:t>
-            </a:r>
-            <a:r>
-              <a:rPr lang="en-US" dirty="0"/>
+              <a:rPr lang="id-ID" dirty="0"/>
+              <a:t>Margin (d) = minimum </a:t>
+            </a:r>
+            <a:r>
+              <a:rPr lang="id-ID" dirty="0" err="1"/>
+              <a:t>distance</a:t>
+            </a:r>
+            <a:r>
+              <a:rPr lang="id-ID" dirty="0"/>
+              <a:t> antara </a:t>
+            </a:r>
+            <a:r>
+              <a:rPr lang="id-ID" dirty="0" err="1"/>
+              <a:t>hyperplane</a:t>
+            </a:r>
+            <a:r>
+              <a:rPr lang="id-ID" dirty="0"/>
               <a:t> </a:t>
             </a:r>
             <a:r>
-              <a:rPr lang="en-US" dirty="0" err="1"/>
-              <a:t>menggunakan</a:t>
-            </a:r>
-            <a:r>
-              <a:rPr lang="en-US" dirty="0"/>
+              <a:rPr lang="id-ID" dirty="0" err="1"/>
+              <a:t>and</a:t>
+            </a:r>
+            <a:r>
+              <a:rPr lang="id-ID" dirty="0"/>
               <a:t> </a:t>
             </a:r>
             <a:r>
-              <a:rPr lang="en-US" dirty="0" err="1"/>
-              <a:t>bahasa</a:t>
-            </a:r>
-            <a:r>
-              <a:rPr lang="en-US" dirty="0"/>
+              <a:rPr lang="id-ID" dirty="0" err="1"/>
+              <a:t>training</a:t>
+            </a:r>
+            <a:r>
+              <a:rPr lang="id-ID" dirty="0"/>
               <a:t> </a:t>
             </a:r>
             <a:r>
-              <a:rPr lang="en-US" dirty="0" err="1"/>
-              <a:t>pemrograman</a:t>
-            </a:r>
-            <a:r>
-              <a:rPr lang="en-US" dirty="0"/>
-              <a:t> Python3</a:t>
-            </a:r>
-          </a:p>
-          <a:p>
-            <a:pPr marL="0" indent="0">
-              <a:buNone/>
-            </a:pPr>
+              <a:rPr lang="id-ID" dirty="0" err="1"/>
+              <a:t>samples</a:t>
+            </a:r>
             <a:endParaRPr lang="id-ID" dirty="0"/>
           </a:p>
+          <a:p>
+            <a:endParaRPr lang="id-ID" dirty="0"/>
+          </a:p>
+          <a:p>
+            <a:r>
+              <a:rPr lang="id-ID" dirty="0" err="1"/>
+              <a:t>Hyperplane</a:t>
+            </a:r>
+            <a:r>
+              <a:rPr lang="id-ID" dirty="0"/>
+              <a:t> yang paling baik diperoleh dengan memaksimalkan nilai margin</a:t>
+            </a:r>
+          </a:p>
+          <a:p>
+            <a:endParaRPr lang="id-ID" dirty="0"/>
+          </a:p>
+          <a:p>
+            <a:r>
+              <a:rPr lang="id-ID" dirty="0" err="1"/>
+              <a:t>Hyperplane</a:t>
+            </a:r>
+            <a:r>
+              <a:rPr lang="id-ID" dirty="0"/>
+              <a:t> yang paling baik itu akan melewati pertengahan antara kedua </a:t>
+            </a:r>
+            <a:r>
+              <a:rPr lang="id-ID" dirty="0" err="1"/>
+              <a:t>class</a:t>
+            </a:r>
+            <a:endParaRPr lang="id-ID" dirty="0"/>
+          </a:p>
+          <a:p>
+            <a:endParaRPr lang="id-ID" dirty="0"/>
+          </a:p>
+          <a:p>
+            <a:r>
+              <a:rPr lang="id-ID" dirty="0" err="1"/>
+              <a:t>Sample</a:t>
+            </a:r>
+            <a:r>
+              <a:rPr lang="id-ID" dirty="0"/>
+              <a:t> yang paling dekat lokasinya terhadap </a:t>
+            </a:r>
+            <a:r>
+              <a:rPr lang="id-ID" dirty="0" err="1"/>
+              <a:t>hyperplane</a:t>
+            </a:r>
+            <a:r>
+              <a:rPr lang="id-ID" dirty="0"/>
+              <a:t> disebut </a:t>
+            </a:r>
+            <a:r>
+              <a:rPr lang="id-ID" dirty="0" err="1"/>
+              <a:t>support</a:t>
+            </a:r>
+            <a:r>
+              <a:rPr lang="id-ID" dirty="0"/>
+              <a:t> </a:t>
+            </a:r>
+            <a:r>
+              <a:rPr lang="id-ID" dirty="0" err="1"/>
+              <a:t>vector</a:t>
+            </a:r>
+            <a:endParaRPr lang="id-ID" dirty="0"/>
+          </a:p>
+          <a:p>
+            <a:endParaRPr lang="id-ID" dirty="0"/>
+          </a:p>
+          <a:p>
+            <a:r>
+              <a:rPr lang="id-ID" dirty="0"/>
+              <a:t>Proses </a:t>
+            </a:r>
+            <a:r>
+              <a:rPr lang="id-ID" dirty="0" err="1"/>
+              <a:t>learning</a:t>
+            </a:r>
+            <a:r>
+              <a:rPr lang="id-ID" dirty="0"/>
+              <a:t> dalam SVM : mencari </a:t>
+            </a:r>
+            <a:r>
+              <a:rPr lang="id-ID" dirty="0" err="1"/>
+              <a:t>support</a:t>
+            </a:r>
+            <a:r>
+              <a:rPr lang="id-ID" dirty="0"/>
+              <a:t> </a:t>
+            </a:r>
+            <a:r>
+              <a:rPr lang="id-ID" dirty="0" err="1"/>
+              <a:t>vector</a:t>
+            </a:r>
+            <a:r>
+              <a:rPr lang="id-ID" dirty="0"/>
+              <a:t> untuk memperoleh </a:t>
+            </a:r>
+            <a:r>
+              <a:rPr lang="id-ID" dirty="0" err="1"/>
+              <a:t>hyperplane</a:t>
+            </a:r>
+            <a:r>
+              <a:rPr lang="id-ID" dirty="0"/>
+              <a:t> yang terbaik</a:t>
+            </a:r>
+          </a:p>
+          <a:p>
+            <a:endParaRPr lang="id-ID" dirty="0"/>
+          </a:p>
         </p:txBody>
       </p:sp>
       <p:sp>
@@ -16213,7 +16409,7 @@
           <p:cNvPr id="4" name="Footer Placeholder 3">
             <a:extLst>
               <a:ext uri="{FF2B5EF4-FFF2-40B4-BE49-F238E27FC236}">
-                <a16:creationId xmlns:a16="http://schemas.microsoft.com/office/drawing/2014/main" id="{48F69419-D7D7-44FC-AD5C-6E02CACAA23D}"/>
+                <a16:creationId xmlns:a16="http://schemas.microsoft.com/office/drawing/2014/main" id="{DE5B1B1A-D238-4CA3-BAD6-836FC4F5DD4D}"/>
               </a:ext>
             </a:extLst>
           </p:cNvPr>
@@ -16243,7 +16439,7 @@
           <p:cNvPr id="5" name="Slide Number Placeholder 4">
             <a:extLst>
               <a:ext uri="{FF2B5EF4-FFF2-40B4-BE49-F238E27FC236}">
-                <a16:creationId xmlns:a16="http://schemas.microsoft.com/office/drawing/2014/main" id="{9F92951C-B42C-4CDC-B5D7-4EC1E091BE0F}"/>
+                <a16:creationId xmlns:a16="http://schemas.microsoft.com/office/drawing/2014/main" id="{B136635C-885B-4589-8595-56845E779D27}"/>
               </a:ext>
             </a:extLst>
           </p:cNvPr>
@@ -16273,7 +16469,7 @@
           <p:cNvPr id="6" name="Text Placeholder 5">
             <a:extLst>
               <a:ext uri="{FF2B5EF4-FFF2-40B4-BE49-F238E27FC236}">
-                <a16:creationId xmlns:a16="http://schemas.microsoft.com/office/drawing/2014/main" id="{B979049D-16DF-49F3-85AD-0674848110FF}"/>
+                <a16:creationId xmlns:a16="http://schemas.microsoft.com/office/drawing/2014/main" id="{BF17F012-3296-4BD4-B7A8-D6C0F9479E70}"/>
               </a:ext>
             </a:extLst>
           </p:cNvPr>
@@ -16293,10 +16489,1748 @@
           </a:p>
         </p:txBody>
       </p:sp>
+      <p:grpSp>
+        <p:nvGrpSpPr>
+          <p:cNvPr id="7" name="Group 6">
+            <a:extLst>
+              <a:ext uri="{FF2B5EF4-FFF2-40B4-BE49-F238E27FC236}">
+                <a16:creationId xmlns:a16="http://schemas.microsoft.com/office/drawing/2014/main" id="{37530885-24BE-4253-A134-BCBA8D437ADD}"/>
+              </a:ext>
+            </a:extLst>
+          </p:cNvPr>
+          <p:cNvGrpSpPr/>
+          <p:nvPr/>
+        </p:nvGrpSpPr>
+        <p:grpSpPr>
+          <a:xfrm>
+            <a:off x="398443" y="2087893"/>
+            <a:ext cx="5083641" cy="3789225"/>
+            <a:chOff x="2771775" y="1412875"/>
+            <a:chExt cx="5184775" cy="4849813"/>
+          </a:xfrm>
+        </p:grpSpPr>
+        <p:sp>
+          <p:nvSpPr>
+            <p:cNvPr id="8" name="Line 2">
+              <a:extLst>
+                <a:ext uri="{FF2B5EF4-FFF2-40B4-BE49-F238E27FC236}">
+                  <a16:creationId xmlns:a16="http://schemas.microsoft.com/office/drawing/2014/main" id="{C5DA6CC4-06BF-478C-8C96-67BB9A295EC3}"/>
+                </a:ext>
+              </a:extLst>
+            </p:cNvPr>
+            <p:cNvSpPr>
+              <a:spLocks noChangeShapeType="1"/>
+            </p:cNvSpPr>
+            <p:nvPr/>
+          </p:nvSpPr>
+          <p:spPr bwMode="auto">
+            <a:xfrm flipV="1">
+              <a:off x="2771775" y="1412875"/>
+              <a:ext cx="0" cy="4140200"/>
+            </a:xfrm>
+            <a:prstGeom prst="line">
+              <a:avLst/>
+            </a:prstGeom>
+            <a:noFill/>
+            <a:ln w="25400">
+              <a:solidFill>
+                <a:schemeClr val="tx1"/>
+              </a:solidFill>
+              <a:round/>
+              <a:headEnd/>
+              <a:tailEnd type="triangle" w="med" len="med"/>
+            </a:ln>
+            <a:effectLst/>
+            <a:extLst>
+              <a:ext uri="{909E8E84-426E-40DD-AFC4-6F175D3DCCD1}">
+                <a14:hiddenFill xmlns:a14="http://schemas.microsoft.com/office/drawing/2010/main">
+                  <a:noFill/>
+                </a14:hiddenFill>
+              </a:ext>
+              <a:ext uri="{AF507438-7753-43E0-B8FC-AC1667EBCBE1}">
+                <a14:hiddenEffects xmlns:a14="http://schemas.microsoft.com/office/drawing/2010/main">
+                  <a:effectLst>
+                    <a:outerShdw dist="35921" dir="2700000" algn="ctr" rotWithShape="0">
+                      <a:schemeClr val="bg2"/>
+                    </a:outerShdw>
+                  </a:effectLst>
+                </a14:hiddenEffects>
+              </a:ext>
+            </a:extLst>
+          </p:spPr>
+          <p:txBody>
+            <a:bodyPr/>
+            <a:lstStyle/>
+            <a:p>
+              <a:endParaRPr lang="id-ID"/>
+            </a:p>
+          </p:txBody>
+        </p:sp>
+        <p:sp>
+          <p:nvSpPr>
+            <p:cNvPr id="9" name="Line 3">
+              <a:extLst>
+                <a:ext uri="{FF2B5EF4-FFF2-40B4-BE49-F238E27FC236}">
+                  <a16:creationId xmlns:a16="http://schemas.microsoft.com/office/drawing/2014/main" id="{D256D0F5-959D-4746-AD55-A708B165B1EF}"/>
+                </a:ext>
+              </a:extLst>
+            </p:cNvPr>
+            <p:cNvSpPr>
+              <a:spLocks noChangeShapeType="1"/>
+            </p:cNvSpPr>
+            <p:nvPr/>
+          </p:nvSpPr>
+          <p:spPr bwMode="auto">
+            <a:xfrm>
+              <a:off x="2771775" y="5553075"/>
+              <a:ext cx="5184775" cy="36513"/>
+            </a:xfrm>
+            <a:prstGeom prst="line">
+              <a:avLst/>
+            </a:prstGeom>
+            <a:noFill/>
+            <a:ln w="25400">
+              <a:solidFill>
+                <a:schemeClr val="tx1"/>
+              </a:solidFill>
+              <a:round/>
+              <a:headEnd/>
+              <a:tailEnd type="triangle" w="med" len="med"/>
+            </a:ln>
+            <a:effectLst/>
+            <a:extLst>
+              <a:ext uri="{909E8E84-426E-40DD-AFC4-6F175D3DCCD1}">
+                <a14:hiddenFill xmlns:a14="http://schemas.microsoft.com/office/drawing/2010/main">
+                  <a:noFill/>
+                </a14:hiddenFill>
+              </a:ext>
+              <a:ext uri="{AF507438-7753-43E0-B8FC-AC1667EBCBE1}">
+                <a14:hiddenEffects xmlns:a14="http://schemas.microsoft.com/office/drawing/2010/main">
+                  <a:effectLst>
+                    <a:outerShdw dist="35921" dir="2700000" algn="ctr" rotWithShape="0">
+                      <a:schemeClr val="bg2"/>
+                    </a:outerShdw>
+                  </a:effectLst>
+                </a14:hiddenEffects>
+              </a:ext>
+            </a:extLst>
+          </p:spPr>
+          <p:txBody>
+            <a:bodyPr/>
+            <a:lstStyle/>
+            <a:p>
+              <a:endParaRPr lang="id-ID"/>
+            </a:p>
+          </p:txBody>
+        </p:sp>
+        <p:sp>
+          <p:nvSpPr>
+            <p:cNvPr id="10" name="Rectangle 5">
+              <a:extLst>
+                <a:ext uri="{FF2B5EF4-FFF2-40B4-BE49-F238E27FC236}">
+                  <a16:creationId xmlns:a16="http://schemas.microsoft.com/office/drawing/2014/main" id="{27B4F7F7-CD69-492A-A8D1-E111E9341304}"/>
+                </a:ext>
+              </a:extLst>
+            </p:cNvPr>
+            <p:cNvSpPr>
+              <a:spLocks noChangeArrowheads="1"/>
+            </p:cNvSpPr>
+            <p:nvPr/>
+          </p:nvSpPr>
+          <p:spPr bwMode="auto">
+            <a:xfrm>
+              <a:off x="3276600" y="3141663"/>
+              <a:ext cx="152400" cy="152400"/>
+            </a:xfrm>
+            <a:prstGeom prst="rect">
+              <a:avLst/>
+            </a:prstGeom>
+            <a:solidFill>
+              <a:srgbClr val="FF3300"/>
+            </a:solidFill>
+            <a:ln w="9525">
+              <a:solidFill>
+                <a:schemeClr val="tx1"/>
+              </a:solidFill>
+              <a:miter lim="800000"/>
+              <a:headEnd/>
+              <a:tailEnd/>
+            </a:ln>
+            <a:effectLst/>
+            <a:extLst>
+              <a:ext uri="{AF507438-7753-43E0-B8FC-AC1667EBCBE1}">
+                <a14:hiddenEffects xmlns:a14="http://schemas.microsoft.com/office/drawing/2010/main">
+                  <a:effectLst>
+                    <a:outerShdw dist="35921" dir="2700000" algn="ctr" rotWithShape="0">
+                      <a:schemeClr val="bg2"/>
+                    </a:outerShdw>
+                  </a:effectLst>
+                </a14:hiddenEffects>
+              </a:ext>
+            </a:extLst>
+          </p:spPr>
+          <p:txBody>
+            <a:bodyPr wrap="none" anchor="ctr"/>
+            <a:lstStyle/>
+            <a:p>
+              <a:endParaRPr lang="id-ID"/>
+            </a:p>
+          </p:txBody>
+        </p:sp>
+        <p:sp>
+          <p:nvSpPr>
+            <p:cNvPr id="11" name="Rectangle 6">
+              <a:extLst>
+                <a:ext uri="{FF2B5EF4-FFF2-40B4-BE49-F238E27FC236}">
+                  <a16:creationId xmlns:a16="http://schemas.microsoft.com/office/drawing/2014/main" id="{2B901B19-3FB2-4079-8283-5B103B0DEA1F}"/>
+                </a:ext>
+              </a:extLst>
+            </p:cNvPr>
+            <p:cNvSpPr>
+              <a:spLocks noChangeArrowheads="1"/>
+            </p:cNvSpPr>
+            <p:nvPr/>
+          </p:nvSpPr>
+          <p:spPr bwMode="auto">
+            <a:xfrm>
+              <a:off x="4371975" y="4791075"/>
+              <a:ext cx="152400" cy="152400"/>
+            </a:xfrm>
+            <a:prstGeom prst="rect">
+              <a:avLst/>
+            </a:prstGeom>
+            <a:solidFill>
+              <a:srgbClr val="FF3300"/>
+            </a:solidFill>
+            <a:ln w="9525">
+              <a:solidFill>
+                <a:schemeClr val="tx1"/>
+              </a:solidFill>
+              <a:miter lim="800000"/>
+              <a:headEnd/>
+              <a:tailEnd/>
+            </a:ln>
+            <a:effectLst/>
+            <a:extLst>
+              <a:ext uri="{AF507438-7753-43E0-B8FC-AC1667EBCBE1}">
+                <a14:hiddenEffects xmlns:a14="http://schemas.microsoft.com/office/drawing/2010/main">
+                  <a:effectLst>
+                    <a:outerShdw dist="35921" dir="2700000" algn="ctr" rotWithShape="0">
+                      <a:schemeClr val="bg2"/>
+                    </a:outerShdw>
+                  </a:effectLst>
+                </a14:hiddenEffects>
+              </a:ext>
+            </a:extLst>
+          </p:spPr>
+          <p:txBody>
+            <a:bodyPr wrap="none" anchor="ctr"/>
+            <a:lstStyle/>
+            <a:p>
+              <a:endParaRPr lang="id-ID"/>
+            </a:p>
+          </p:txBody>
+        </p:sp>
+        <p:sp>
+          <p:nvSpPr>
+            <p:cNvPr id="12" name="Rectangle 7">
+              <a:extLst>
+                <a:ext uri="{FF2B5EF4-FFF2-40B4-BE49-F238E27FC236}">
+                  <a16:creationId xmlns:a16="http://schemas.microsoft.com/office/drawing/2014/main" id="{837A6227-0E1D-4C3D-B3C4-3617BCF2B22D}"/>
+                </a:ext>
+              </a:extLst>
+            </p:cNvPr>
+            <p:cNvSpPr>
+              <a:spLocks noChangeArrowheads="1"/>
+            </p:cNvSpPr>
+            <p:nvPr/>
+          </p:nvSpPr>
+          <p:spPr bwMode="auto">
+            <a:xfrm>
+              <a:off x="3762375" y="5172075"/>
+              <a:ext cx="152400" cy="152400"/>
+            </a:xfrm>
+            <a:prstGeom prst="rect">
+              <a:avLst/>
+            </a:prstGeom>
+            <a:solidFill>
+              <a:srgbClr val="FF3300"/>
+            </a:solidFill>
+            <a:ln w="9525">
+              <a:solidFill>
+                <a:schemeClr val="tx1"/>
+              </a:solidFill>
+              <a:miter lim="800000"/>
+              <a:headEnd/>
+              <a:tailEnd/>
+            </a:ln>
+            <a:effectLst/>
+            <a:extLst>
+              <a:ext uri="{AF507438-7753-43E0-B8FC-AC1667EBCBE1}">
+                <a14:hiddenEffects xmlns:a14="http://schemas.microsoft.com/office/drawing/2010/main">
+                  <a:effectLst>
+                    <a:outerShdw dist="35921" dir="2700000" algn="ctr" rotWithShape="0">
+                      <a:schemeClr val="bg2"/>
+                    </a:outerShdw>
+                  </a:effectLst>
+                </a14:hiddenEffects>
+              </a:ext>
+            </a:extLst>
+          </p:spPr>
+          <p:txBody>
+            <a:bodyPr wrap="none" anchor="ctr"/>
+            <a:lstStyle/>
+            <a:p>
+              <a:endParaRPr lang="id-ID"/>
+            </a:p>
+          </p:txBody>
+        </p:sp>
+        <p:sp>
+          <p:nvSpPr>
+            <p:cNvPr id="13" name="Rectangle 8">
+              <a:extLst>
+                <a:ext uri="{FF2B5EF4-FFF2-40B4-BE49-F238E27FC236}">
+                  <a16:creationId xmlns:a16="http://schemas.microsoft.com/office/drawing/2014/main" id="{E57D0F35-87B5-48DB-98E1-3A5A80A6B409}"/>
+                </a:ext>
+              </a:extLst>
+            </p:cNvPr>
+            <p:cNvSpPr>
+              <a:spLocks noChangeArrowheads="1"/>
+            </p:cNvSpPr>
+            <p:nvPr/>
+          </p:nvSpPr>
+          <p:spPr bwMode="auto">
+            <a:xfrm>
+              <a:off x="3533775" y="4486275"/>
+              <a:ext cx="152400" cy="152400"/>
+            </a:xfrm>
+            <a:prstGeom prst="rect">
+              <a:avLst/>
+            </a:prstGeom>
+            <a:solidFill>
+              <a:srgbClr val="FF3300"/>
+            </a:solidFill>
+            <a:ln w="9525">
+              <a:solidFill>
+                <a:schemeClr val="tx1"/>
+              </a:solidFill>
+              <a:miter lim="800000"/>
+              <a:headEnd/>
+              <a:tailEnd/>
+            </a:ln>
+            <a:effectLst/>
+            <a:extLst>
+              <a:ext uri="{AF507438-7753-43E0-B8FC-AC1667EBCBE1}">
+                <a14:hiddenEffects xmlns:a14="http://schemas.microsoft.com/office/drawing/2010/main">
+                  <a:effectLst>
+                    <a:outerShdw dist="35921" dir="2700000" algn="ctr" rotWithShape="0">
+                      <a:schemeClr val="bg2"/>
+                    </a:outerShdw>
+                  </a:effectLst>
+                </a14:hiddenEffects>
+              </a:ext>
+            </a:extLst>
+          </p:spPr>
+          <p:txBody>
+            <a:bodyPr wrap="none" anchor="ctr"/>
+            <a:lstStyle/>
+            <a:p>
+              <a:endParaRPr lang="id-ID"/>
+            </a:p>
+          </p:txBody>
+        </p:sp>
+        <p:sp>
+          <p:nvSpPr>
+            <p:cNvPr id="14" name="Rectangle 9">
+              <a:extLst>
+                <a:ext uri="{FF2B5EF4-FFF2-40B4-BE49-F238E27FC236}">
+                  <a16:creationId xmlns:a16="http://schemas.microsoft.com/office/drawing/2014/main" id="{D130FC4B-58C9-4855-8C68-716D53FF577E}"/>
+                </a:ext>
+              </a:extLst>
+            </p:cNvPr>
+            <p:cNvSpPr>
+              <a:spLocks noChangeArrowheads="1"/>
+            </p:cNvSpPr>
+            <p:nvPr/>
+          </p:nvSpPr>
+          <p:spPr bwMode="auto">
+            <a:xfrm>
+              <a:off x="2924175" y="4333875"/>
+              <a:ext cx="152400" cy="152400"/>
+            </a:xfrm>
+            <a:prstGeom prst="rect">
+              <a:avLst/>
+            </a:prstGeom>
+            <a:solidFill>
+              <a:srgbClr val="FF3300"/>
+            </a:solidFill>
+            <a:ln w="9525">
+              <a:solidFill>
+                <a:schemeClr val="tx1"/>
+              </a:solidFill>
+              <a:miter lim="800000"/>
+              <a:headEnd/>
+              <a:tailEnd/>
+            </a:ln>
+            <a:effectLst/>
+            <a:extLst>
+              <a:ext uri="{AF507438-7753-43E0-B8FC-AC1667EBCBE1}">
+                <a14:hiddenEffects xmlns:a14="http://schemas.microsoft.com/office/drawing/2010/main">
+                  <a:effectLst>
+                    <a:outerShdw dist="35921" dir="2700000" algn="ctr" rotWithShape="0">
+                      <a:schemeClr val="bg2"/>
+                    </a:outerShdw>
+                  </a:effectLst>
+                </a14:hiddenEffects>
+              </a:ext>
+            </a:extLst>
+          </p:spPr>
+          <p:txBody>
+            <a:bodyPr wrap="none" anchor="ctr"/>
+            <a:lstStyle/>
+            <a:p>
+              <a:endParaRPr lang="id-ID"/>
+            </a:p>
+          </p:txBody>
+        </p:sp>
+        <p:sp>
+          <p:nvSpPr>
+            <p:cNvPr id="15" name="Oval 10">
+              <a:extLst>
+                <a:ext uri="{FF2B5EF4-FFF2-40B4-BE49-F238E27FC236}">
+                  <a16:creationId xmlns:a16="http://schemas.microsoft.com/office/drawing/2014/main" id="{26C254DA-3F24-4521-8E64-67EDAFF5C1BA}"/>
+                </a:ext>
+              </a:extLst>
+            </p:cNvPr>
+            <p:cNvSpPr>
+              <a:spLocks noChangeArrowheads="1"/>
+            </p:cNvSpPr>
+            <p:nvPr/>
+          </p:nvSpPr>
+          <p:spPr bwMode="auto">
+            <a:xfrm>
+              <a:off x="4787900" y="3573463"/>
+              <a:ext cx="228600" cy="228600"/>
+            </a:xfrm>
+            <a:prstGeom prst="ellipse">
+              <a:avLst/>
+            </a:prstGeom>
+            <a:solidFill>
+              <a:srgbClr val="FFFF66"/>
+            </a:solidFill>
+            <a:ln w="9525">
+              <a:solidFill>
+                <a:schemeClr val="tx1"/>
+              </a:solidFill>
+              <a:round/>
+              <a:headEnd/>
+              <a:tailEnd/>
+            </a:ln>
+            <a:effectLst/>
+            <a:extLst>
+              <a:ext uri="{AF507438-7753-43E0-B8FC-AC1667EBCBE1}">
+                <a14:hiddenEffects xmlns:a14="http://schemas.microsoft.com/office/drawing/2010/main">
+                  <a:effectLst>
+                    <a:outerShdw dist="35921" dir="2700000" algn="ctr" rotWithShape="0">
+                      <a:schemeClr val="bg2"/>
+                    </a:outerShdw>
+                  </a:effectLst>
+                </a14:hiddenEffects>
+              </a:ext>
+            </a:extLst>
+          </p:spPr>
+          <p:txBody>
+            <a:bodyPr wrap="none" anchor="ctr"/>
+            <a:lstStyle/>
+            <a:p>
+              <a:endParaRPr lang="id-ID"/>
+            </a:p>
+          </p:txBody>
+        </p:sp>
+        <p:sp>
+          <p:nvSpPr>
+            <p:cNvPr id="16" name="Oval 11">
+              <a:extLst>
+                <a:ext uri="{FF2B5EF4-FFF2-40B4-BE49-F238E27FC236}">
+                  <a16:creationId xmlns:a16="http://schemas.microsoft.com/office/drawing/2014/main" id="{B48C8702-2346-405F-B963-63B21A5B6E85}"/>
+                </a:ext>
+              </a:extLst>
+            </p:cNvPr>
+            <p:cNvSpPr>
+              <a:spLocks noChangeArrowheads="1"/>
+            </p:cNvSpPr>
+            <p:nvPr/>
+          </p:nvSpPr>
+          <p:spPr bwMode="auto">
+            <a:xfrm>
+              <a:off x="5362575" y="2733675"/>
+              <a:ext cx="228600" cy="228600"/>
+            </a:xfrm>
+            <a:prstGeom prst="ellipse">
+              <a:avLst/>
+            </a:prstGeom>
+            <a:solidFill>
+              <a:srgbClr val="FFFF66"/>
+            </a:solidFill>
+            <a:ln w="9525">
+              <a:solidFill>
+                <a:schemeClr val="tx1"/>
+              </a:solidFill>
+              <a:round/>
+              <a:headEnd/>
+              <a:tailEnd/>
+            </a:ln>
+            <a:effectLst/>
+            <a:extLst>
+              <a:ext uri="{AF507438-7753-43E0-B8FC-AC1667EBCBE1}">
+                <a14:hiddenEffects xmlns:a14="http://schemas.microsoft.com/office/drawing/2010/main">
+                  <a:effectLst>
+                    <a:outerShdw dist="35921" dir="2700000" algn="ctr" rotWithShape="0">
+                      <a:schemeClr val="bg2"/>
+                    </a:outerShdw>
+                  </a:effectLst>
+                </a14:hiddenEffects>
+              </a:ext>
+            </a:extLst>
+          </p:spPr>
+          <p:txBody>
+            <a:bodyPr wrap="none" anchor="ctr"/>
+            <a:lstStyle/>
+            <a:p>
+              <a:endParaRPr lang="id-ID"/>
+            </a:p>
+          </p:txBody>
+        </p:sp>
+        <p:sp>
+          <p:nvSpPr>
+            <p:cNvPr id="17" name="Oval 12">
+              <a:extLst>
+                <a:ext uri="{FF2B5EF4-FFF2-40B4-BE49-F238E27FC236}">
+                  <a16:creationId xmlns:a16="http://schemas.microsoft.com/office/drawing/2014/main" id="{F53A4910-6016-4B3C-82D7-D08C56C178EA}"/>
+                </a:ext>
+              </a:extLst>
+            </p:cNvPr>
+            <p:cNvSpPr>
+              <a:spLocks noChangeArrowheads="1"/>
+            </p:cNvSpPr>
+            <p:nvPr/>
+          </p:nvSpPr>
+          <p:spPr bwMode="auto">
+            <a:xfrm>
+              <a:off x="4716463" y="2205038"/>
+              <a:ext cx="228600" cy="228600"/>
+            </a:xfrm>
+            <a:prstGeom prst="ellipse">
+              <a:avLst/>
+            </a:prstGeom>
+            <a:solidFill>
+              <a:srgbClr val="FFFF66"/>
+            </a:solidFill>
+            <a:ln w="9525">
+              <a:solidFill>
+                <a:schemeClr val="tx1"/>
+              </a:solidFill>
+              <a:round/>
+              <a:headEnd/>
+              <a:tailEnd/>
+            </a:ln>
+            <a:effectLst/>
+            <a:extLst>
+              <a:ext uri="{AF507438-7753-43E0-B8FC-AC1667EBCBE1}">
+                <a14:hiddenEffects xmlns:a14="http://schemas.microsoft.com/office/drawing/2010/main">
+                  <a:effectLst>
+                    <a:outerShdw dist="35921" dir="2700000" algn="ctr" rotWithShape="0">
+                      <a:schemeClr val="bg2"/>
+                    </a:outerShdw>
+                  </a:effectLst>
+                </a14:hiddenEffects>
+              </a:ext>
+            </a:extLst>
+          </p:spPr>
+          <p:txBody>
+            <a:bodyPr wrap="none" anchor="ctr"/>
+            <a:lstStyle/>
+            <a:p>
+              <a:endParaRPr lang="id-ID"/>
+            </a:p>
+          </p:txBody>
+        </p:sp>
+        <p:sp>
+          <p:nvSpPr>
+            <p:cNvPr id="18" name="Oval 13">
+              <a:extLst>
+                <a:ext uri="{FF2B5EF4-FFF2-40B4-BE49-F238E27FC236}">
+                  <a16:creationId xmlns:a16="http://schemas.microsoft.com/office/drawing/2014/main" id="{36691DE9-36A9-4BAD-90F9-AADB18B5F318}"/>
+                </a:ext>
+              </a:extLst>
+            </p:cNvPr>
+            <p:cNvSpPr>
+              <a:spLocks noChangeArrowheads="1"/>
+            </p:cNvSpPr>
+            <p:nvPr/>
+          </p:nvSpPr>
+          <p:spPr bwMode="auto">
+            <a:xfrm>
+              <a:off x="6372225" y="3429000"/>
+              <a:ext cx="228600" cy="228600"/>
+            </a:xfrm>
+            <a:prstGeom prst="ellipse">
+              <a:avLst/>
+            </a:prstGeom>
+            <a:solidFill>
+              <a:srgbClr val="FFFF66"/>
+            </a:solidFill>
+            <a:ln w="9525">
+              <a:solidFill>
+                <a:schemeClr val="tx1"/>
+              </a:solidFill>
+              <a:round/>
+              <a:headEnd/>
+              <a:tailEnd/>
+            </a:ln>
+            <a:effectLst/>
+            <a:extLst>
+              <a:ext uri="{AF507438-7753-43E0-B8FC-AC1667EBCBE1}">
+                <a14:hiddenEffects xmlns:a14="http://schemas.microsoft.com/office/drawing/2010/main">
+                  <a:effectLst>
+                    <a:outerShdw dist="35921" dir="2700000" algn="ctr" rotWithShape="0">
+                      <a:schemeClr val="bg2"/>
+                    </a:outerShdw>
+                  </a:effectLst>
+                </a14:hiddenEffects>
+              </a:ext>
+            </a:extLst>
+          </p:spPr>
+          <p:txBody>
+            <a:bodyPr wrap="none" anchor="ctr"/>
+            <a:lstStyle/>
+            <a:p>
+              <a:endParaRPr lang="id-ID"/>
+            </a:p>
+          </p:txBody>
+        </p:sp>
+        <p:sp>
+          <p:nvSpPr>
+            <p:cNvPr id="19" name="Oval 14">
+              <a:extLst>
+                <a:ext uri="{FF2B5EF4-FFF2-40B4-BE49-F238E27FC236}">
+                  <a16:creationId xmlns:a16="http://schemas.microsoft.com/office/drawing/2014/main" id="{C68049D5-2E23-4291-B115-0429889555E6}"/>
+                </a:ext>
+              </a:extLst>
+            </p:cNvPr>
+            <p:cNvSpPr>
+              <a:spLocks noChangeArrowheads="1"/>
+            </p:cNvSpPr>
+            <p:nvPr/>
+          </p:nvSpPr>
+          <p:spPr bwMode="auto">
+            <a:xfrm>
+              <a:off x="5508625" y="4581525"/>
+              <a:ext cx="228600" cy="228600"/>
+            </a:xfrm>
+            <a:prstGeom prst="ellipse">
+              <a:avLst/>
+            </a:prstGeom>
+            <a:solidFill>
+              <a:srgbClr val="FFFF66"/>
+            </a:solidFill>
+            <a:ln w="9525">
+              <a:solidFill>
+                <a:schemeClr val="tx1"/>
+              </a:solidFill>
+              <a:round/>
+              <a:headEnd/>
+              <a:tailEnd/>
+            </a:ln>
+            <a:effectLst/>
+            <a:extLst>
+              <a:ext uri="{AF507438-7753-43E0-B8FC-AC1667EBCBE1}">
+                <a14:hiddenEffects xmlns:a14="http://schemas.microsoft.com/office/drawing/2010/main">
+                  <a:effectLst>
+                    <a:outerShdw dist="35921" dir="2700000" algn="ctr" rotWithShape="0">
+                      <a:schemeClr val="bg2"/>
+                    </a:outerShdw>
+                  </a:effectLst>
+                </a14:hiddenEffects>
+              </a:ext>
+            </a:extLst>
+          </p:spPr>
+          <p:txBody>
+            <a:bodyPr wrap="none" anchor="ctr"/>
+            <a:lstStyle/>
+            <a:p>
+              <a:endParaRPr lang="id-ID"/>
+            </a:p>
+          </p:txBody>
+        </p:sp>
+        <p:sp>
+          <p:nvSpPr>
+            <p:cNvPr id="20" name="Line 15">
+              <a:extLst>
+                <a:ext uri="{FF2B5EF4-FFF2-40B4-BE49-F238E27FC236}">
+                  <a16:creationId xmlns:a16="http://schemas.microsoft.com/office/drawing/2014/main" id="{818A3457-A2DD-4B1A-8F45-A64D3376672A}"/>
+                </a:ext>
+              </a:extLst>
+            </p:cNvPr>
+            <p:cNvSpPr>
+              <a:spLocks noChangeShapeType="1"/>
+            </p:cNvSpPr>
+            <p:nvPr/>
+          </p:nvSpPr>
+          <p:spPr bwMode="auto">
+            <a:xfrm>
+              <a:off x="2771775" y="2276475"/>
+              <a:ext cx="2305050" cy="3457575"/>
+            </a:xfrm>
+            <a:prstGeom prst="line">
+              <a:avLst/>
+            </a:prstGeom>
+            <a:noFill/>
+            <a:ln w="19050">
+              <a:solidFill>
+                <a:srgbClr val="990000"/>
+              </a:solidFill>
+              <a:prstDash val="sysDot"/>
+              <a:round/>
+              <a:headEnd/>
+              <a:tailEnd/>
+            </a:ln>
+            <a:effectLst/>
+            <a:extLst>
+              <a:ext uri="{909E8E84-426E-40DD-AFC4-6F175D3DCCD1}">
+                <a14:hiddenFill xmlns:a14="http://schemas.microsoft.com/office/drawing/2010/main">
+                  <a:noFill/>
+                </a14:hiddenFill>
+              </a:ext>
+              <a:ext uri="{AF507438-7753-43E0-B8FC-AC1667EBCBE1}">
+                <a14:hiddenEffects xmlns:a14="http://schemas.microsoft.com/office/drawing/2010/main">
+                  <a:effectLst>
+                    <a:outerShdw dist="35921" dir="2700000" algn="ctr" rotWithShape="0">
+                      <a:schemeClr val="bg2"/>
+                    </a:outerShdw>
+                  </a:effectLst>
+                </a14:hiddenEffects>
+              </a:ext>
+            </a:extLst>
+          </p:spPr>
+          <p:txBody>
+            <a:bodyPr/>
+            <a:lstStyle/>
+            <a:p>
+              <a:endParaRPr lang="id-ID"/>
+            </a:p>
+          </p:txBody>
+        </p:sp>
+        <p:sp>
+          <p:nvSpPr>
+            <p:cNvPr id="21" name="Line 16">
+              <a:extLst>
+                <a:ext uri="{FF2B5EF4-FFF2-40B4-BE49-F238E27FC236}">
+                  <a16:creationId xmlns:a16="http://schemas.microsoft.com/office/drawing/2014/main" id="{E1FEB3A4-9E76-46A0-B67D-8A62A8CE525B}"/>
+                </a:ext>
+              </a:extLst>
+            </p:cNvPr>
+            <p:cNvSpPr>
+              <a:spLocks noChangeShapeType="1"/>
+            </p:cNvSpPr>
+            <p:nvPr/>
+          </p:nvSpPr>
+          <p:spPr bwMode="auto">
+            <a:xfrm>
+              <a:off x="3348038" y="1484313"/>
+              <a:ext cx="2808287" cy="4106862"/>
+            </a:xfrm>
+            <a:prstGeom prst="line">
+              <a:avLst/>
+            </a:prstGeom>
+            <a:noFill/>
+            <a:ln w="19050">
+              <a:solidFill>
+                <a:srgbClr val="990000"/>
+              </a:solidFill>
+              <a:prstDash val="sysDot"/>
+              <a:round/>
+              <a:headEnd/>
+              <a:tailEnd/>
+            </a:ln>
+            <a:effectLst/>
+            <a:extLst>
+              <a:ext uri="{909E8E84-426E-40DD-AFC4-6F175D3DCCD1}">
+                <a14:hiddenFill xmlns:a14="http://schemas.microsoft.com/office/drawing/2010/main">
+                  <a:noFill/>
+                </a14:hiddenFill>
+              </a:ext>
+              <a:ext uri="{AF507438-7753-43E0-B8FC-AC1667EBCBE1}">
+                <a14:hiddenEffects xmlns:a14="http://schemas.microsoft.com/office/drawing/2010/main">
+                  <a:effectLst>
+                    <a:outerShdw dist="35921" dir="2700000" algn="ctr" rotWithShape="0">
+                      <a:schemeClr val="bg2"/>
+                    </a:outerShdw>
+                  </a:effectLst>
+                </a14:hiddenEffects>
+              </a:ext>
+            </a:extLst>
+          </p:spPr>
+          <p:txBody>
+            <a:bodyPr/>
+            <a:lstStyle/>
+            <a:p>
+              <a:endParaRPr lang="id-ID"/>
+            </a:p>
+          </p:txBody>
+        </p:sp>
+        <p:sp>
+          <p:nvSpPr>
+            <p:cNvPr id="22" name="Line 17">
+              <a:extLst>
+                <a:ext uri="{FF2B5EF4-FFF2-40B4-BE49-F238E27FC236}">
+                  <a16:creationId xmlns:a16="http://schemas.microsoft.com/office/drawing/2014/main" id="{A7CB5A8E-EC62-463B-A798-07722C81A777}"/>
+                </a:ext>
+              </a:extLst>
+            </p:cNvPr>
+            <p:cNvSpPr>
+              <a:spLocks noChangeShapeType="1"/>
+            </p:cNvSpPr>
+            <p:nvPr/>
+          </p:nvSpPr>
+          <p:spPr bwMode="auto">
+            <a:xfrm>
+              <a:off x="2816225" y="1484313"/>
+              <a:ext cx="2879725" cy="4249737"/>
+            </a:xfrm>
+            <a:prstGeom prst="line">
+              <a:avLst/>
+            </a:prstGeom>
+            <a:noFill/>
+            <a:ln w="28575">
+              <a:solidFill>
+                <a:srgbClr val="990000"/>
+              </a:solidFill>
+              <a:round/>
+              <a:headEnd/>
+              <a:tailEnd/>
+            </a:ln>
+            <a:effectLst/>
+            <a:extLst>
+              <a:ext uri="{909E8E84-426E-40DD-AFC4-6F175D3DCCD1}">
+                <a14:hiddenFill xmlns:a14="http://schemas.microsoft.com/office/drawing/2010/main">
+                  <a:noFill/>
+                </a14:hiddenFill>
+              </a:ext>
+              <a:ext uri="{AF507438-7753-43E0-B8FC-AC1667EBCBE1}">
+                <a14:hiddenEffects xmlns:a14="http://schemas.microsoft.com/office/drawing/2010/main">
+                  <a:effectLst>
+                    <a:outerShdw dist="35921" dir="2700000" algn="ctr" rotWithShape="0">
+                      <a:schemeClr val="bg2"/>
+                    </a:outerShdw>
+                  </a:effectLst>
+                </a14:hiddenEffects>
+              </a:ext>
+            </a:extLst>
+          </p:spPr>
+          <p:txBody>
+            <a:bodyPr/>
+            <a:lstStyle/>
+            <a:p>
+              <a:endParaRPr lang="id-ID"/>
+            </a:p>
+          </p:txBody>
+        </p:sp>
+        <p:sp>
+          <p:nvSpPr>
+            <p:cNvPr id="23" name="Line 18">
+              <a:extLst>
+                <a:ext uri="{FF2B5EF4-FFF2-40B4-BE49-F238E27FC236}">
+                  <a16:creationId xmlns:a16="http://schemas.microsoft.com/office/drawing/2014/main" id="{38CFAD9C-A5AB-4647-8FE5-B0E710E47329}"/>
+                </a:ext>
+              </a:extLst>
+            </p:cNvPr>
+            <p:cNvSpPr>
+              <a:spLocks noChangeShapeType="1"/>
+            </p:cNvSpPr>
+            <p:nvPr/>
+          </p:nvSpPr>
+          <p:spPr bwMode="auto">
+            <a:xfrm flipV="1">
+              <a:off x="3533775" y="2276475"/>
+              <a:ext cx="390525" cy="288925"/>
+            </a:xfrm>
+            <a:prstGeom prst="line">
+              <a:avLst/>
+            </a:prstGeom>
+            <a:noFill/>
+            <a:ln w="9525">
+              <a:solidFill>
+                <a:schemeClr val="tx1"/>
+              </a:solidFill>
+              <a:round/>
+              <a:headEnd type="arrow" w="med" len="med"/>
+              <a:tailEnd type="arrow" w="lg" len="lg"/>
+            </a:ln>
+            <a:effectLst/>
+            <a:extLst>
+              <a:ext uri="{909E8E84-426E-40DD-AFC4-6F175D3DCCD1}">
+                <a14:hiddenFill xmlns:a14="http://schemas.microsoft.com/office/drawing/2010/main">
+                  <a:noFill/>
+                </a14:hiddenFill>
+              </a:ext>
+              <a:ext uri="{AF507438-7753-43E0-B8FC-AC1667EBCBE1}">
+                <a14:hiddenEffects xmlns:a14="http://schemas.microsoft.com/office/drawing/2010/main">
+                  <a:effectLst>
+                    <a:outerShdw dist="35921" dir="2700000" algn="ctr" rotWithShape="0">
+                      <a:schemeClr val="bg2"/>
+                    </a:outerShdw>
+                  </a:effectLst>
+                </a14:hiddenEffects>
+              </a:ext>
+            </a:extLst>
+          </p:spPr>
+          <p:txBody>
+            <a:bodyPr/>
+            <a:lstStyle/>
+            <a:p>
+              <a:endParaRPr lang="id-ID"/>
+            </a:p>
+          </p:txBody>
+        </p:sp>
+        <p:sp>
+          <p:nvSpPr>
+            <p:cNvPr id="24" name="Line 19">
+              <a:extLst>
+                <a:ext uri="{FF2B5EF4-FFF2-40B4-BE49-F238E27FC236}">
+                  <a16:creationId xmlns:a16="http://schemas.microsoft.com/office/drawing/2014/main" id="{ABEF7089-52CA-45B6-9E1D-07FC9FBE7082}"/>
+                </a:ext>
+              </a:extLst>
+            </p:cNvPr>
+            <p:cNvSpPr>
+              <a:spLocks noChangeShapeType="1"/>
+            </p:cNvSpPr>
+            <p:nvPr/>
+          </p:nvSpPr>
+          <p:spPr bwMode="auto">
+            <a:xfrm flipV="1">
+              <a:off x="3149600" y="2570163"/>
+              <a:ext cx="390525" cy="288925"/>
+            </a:xfrm>
+            <a:prstGeom prst="line">
+              <a:avLst/>
+            </a:prstGeom>
+            <a:noFill/>
+            <a:ln w="9525">
+              <a:solidFill>
+                <a:schemeClr val="tx1"/>
+              </a:solidFill>
+              <a:round/>
+              <a:headEnd type="arrow" w="med" len="med"/>
+              <a:tailEnd type="arrow" w="lg" len="lg"/>
+            </a:ln>
+            <a:effectLst/>
+            <a:extLst>
+              <a:ext uri="{909E8E84-426E-40DD-AFC4-6F175D3DCCD1}">
+                <a14:hiddenFill xmlns:a14="http://schemas.microsoft.com/office/drawing/2010/main">
+                  <a:noFill/>
+                </a14:hiddenFill>
+              </a:ext>
+              <a:ext uri="{AF507438-7753-43E0-B8FC-AC1667EBCBE1}">
+                <a14:hiddenEffects xmlns:a14="http://schemas.microsoft.com/office/drawing/2010/main">
+                  <a:effectLst>
+                    <a:outerShdw dist="35921" dir="2700000" algn="ctr" rotWithShape="0">
+                      <a:schemeClr val="bg2"/>
+                    </a:outerShdw>
+                  </a:effectLst>
+                </a14:hiddenEffects>
+              </a:ext>
+            </a:extLst>
+          </p:spPr>
+          <p:txBody>
+            <a:bodyPr/>
+            <a:lstStyle/>
+            <a:p>
+              <a:endParaRPr lang="id-ID"/>
+            </a:p>
+          </p:txBody>
+        </p:sp>
+        <p:sp>
+          <p:nvSpPr>
+            <p:cNvPr id="25" name="Freeform 20">
+              <a:extLst>
+                <a:ext uri="{FF2B5EF4-FFF2-40B4-BE49-F238E27FC236}">
+                  <a16:creationId xmlns:a16="http://schemas.microsoft.com/office/drawing/2014/main" id="{09132D9E-5BD1-483F-BA0B-022E51D034D1}"/>
+                </a:ext>
+              </a:extLst>
+            </p:cNvPr>
+            <p:cNvSpPr>
+              <a:spLocks/>
+            </p:cNvSpPr>
+            <p:nvPr/>
+          </p:nvSpPr>
+          <p:spPr bwMode="auto">
+            <a:xfrm>
+              <a:off x="3702050" y="2074863"/>
+              <a:ext cx="523875" cy="452437"/>
+            </a:xfrm>
+            <a:custGeom>
+              <a:avLst/>
+              <a:gdLst>
+                <a:gd name="T0" fmla="*/ 330 w 330"/>
+                <a:gd name="T1" fmla="*/ 0 h 285"/>
+                <a:gd name="T2" fmla="*/ 232 w 330"/>
+                <a:gd name="T3" fmla="*/ 245 h 285"/>
+                <a:gd name="T4" fmla="*/ 0 w 330"/>
+                <a:gd name="T5" fmla="*/ 238 h 285"/>
+              </a:gdLst>
+              <a:ahLst/>
+              <a:cxnLst>
+                <a:cxn ang="0">
+                  <a:pos x="T0" y="T1"/>
+                </a:cxn>
+                <a:cxn ang="0">
+                  <a:pos x="T2" y="T3"/>
+                </a:cxn>
+                <a:cxn ang="0">
+                  <a:pos x="T4" y="T5"/>
+                </a:cxn>
+              </a:cxnLst>
+              <a:rect l="0" t="0" r="r" b="b"/>
+              <a:pathLst>
+                <a:path w="330" h="285">
+                  <a:moveTo>
+                    <a:pt x="330" y="0"/>
+                  </a:moveTo>
+                  <a:cubicBezTo>
+                    <a:pt x="308" y="102"/>
+                    <a:pt x="287" y="205"/>
+                    <a:pt x="232" y="245"/>
+                  </a:cubicBezTo>
+                  <a:cubicBezTo>
+                    <a:pt x="177" y="285"/>
+                    <a:pt x="88" y="261"/>
+                    <a:pt x="0" y="238"/>
+                  </a:cubicBezTo>
+                </a:path>
+              </a:pathLst>
+            </a:custGeom>
+            <a:noFill/>
+            <a:ln w="9525">
+              <a:solidFill>
+                <a:schemeClr val="tx1"/>
+              </a:solidFill>
+              <a:round/>
+              <a:headEnd type="none" w="med" len="med"/>
+              <a:tailEnd type="arrow" w="med" len="med"/>
+            </a:ln>
+            <a:effectLst/>
+            <a:extLst>
+              <a:ext uri="{909E8E84-426E-40DD-AFC4-6F175D3DCCD1}">
+                <a14:hiddenFill xmlns:a14="http://schemas.microsoft.com/office/drawing/2010/main">
+                  <a:solidFill>
+                    <a:schemeClr val="accent1"/>
+                  </a:solidFill>
+                </a14:hiddenFill>
+              </a:ext>
+              <a:ext uri="{AF507438-7753-43E0-B8FC-AC1667EBCBE1}">
+                <a14:hiddenEffects xmlns:a14="http://schemas.microsoft.com/office/drawing/2010/main">
+                  <a:effectLst>
+                    <a:outerShdw dist="35921" dir="2700000" algn="ctr" rotWithShape="0">
+                      <a:schemeClr val="bg2"/>
+                    </a:outerShdw>
+                  </a:effectLst>
+                </a14:hiddenEffects>
+              </a:ext>
+            </a:extLst>
+          </p:spPr>
+          <p:txBody>
+            <a:bodyPr/>
+            <a:lstStyle/>
+            <a:p>
+              <a:endParaRPr lang="id-ID"/>
+            </a:p>
+          </p:txBody>
+        </p:sp>
+        <p:sp>
+          <p:nvSpPr>
+            <p:cNvPr id="26" name="Freeform 21">
+              <a:extLst>
+                <a:ext uri="{FF2B5EF4-FFF2-40B4-BE49-F238E27FC236}">
+                  <a16:creationId xmlns:a16="http://schemas.microsoft.com/office/drawing/2014/main" id="{0A2B5552-EBA8-46B4-9899-0D54D747D52F}"/>
+                </a:ext>
+              </a:extLst>
+            </p:cNvPr>
+            <p:cNvSpPr>
+              <a:spLocks/>
+            </p:cNvSpPr>
+            <p:nvPr/>
+          </p:nvSpPr>
+          <p:spPr bwMode="auto">
+            <a:xfrm>
+              <a:off x="3268663" y="1952625"/>
+              <a:ext cx="957262" cy="768350"/>
+            </a:xfrm>
+            <a:custGeom>
+              <a:avLst/>
+              <a:gdLst>
+                <a:gd name="T0" fmla="*/ 603 w 603"/>
+                <a:gd name="T1" fmla="*/ 62 h 484"/>
+                <a:gd name="T2" fmla="*/ 97 w 603"/>
+                <a:gd name="T3" fmla="*/ 70 h 484"/>
+                <a:gd name="T4" fmla="*/ 20 w 603"/>
+                <a:gd name="T5" fmla="*/ 484 h 484"/>
+              </a:gdLst>
+              <a:ahLst/>
+              <a:cxnLst>
+                <a:cxn ang="0">
+                  <a:pos x="T0" y="T1"/>
+                </a:cxn>
+                <a:cxn ang="0">
+                  <a:pos x="T2" y="T3"/>
+                </a:cxn>
+                <a:cxn ang="0">
+                  <a:pos x="T4" y="T5"/>
+                </a:cxn>
+              </a:cxnLst>
+              <a:rect l="0" t="0" r="r" b="b"/>
+              <a:pathLst>
+                <a:path w="603" h="484">
+                  <a:moveTo>
+                    <a:pt x="603" y="62"/>
+                  </a:moveTo>
+                  <a:cubicBezTo>
+                    <a:pt x="398" y="31"/>
+                    <a:pt x="194" y="0"/>
+                    <a:pt x="97" y="70"/>
+                  </a:cubicBezTo>
+                  <a:cubicBezTo>
+                    <a:pt x="0" y="140"/>
+                    <a:pt x="10" y="312"/>
+                    <a:pt x="20" y="484"/>
+                  </a:cubicBezTo>
+                </a:path>
+              </a:pathLst>
+            </a:custGeom>
+            <a:noFill/>
+            <a:ln w="9525">
+              <a:solidFill>
+                <a:schemeClr val="tx1"/>
+              </a:solidFill>
+              <a:round/>
+              <a:headEnd type="none" w="med" len="med"/>
+              <a:tailEnd type="arrow" w="med" len="med"/>
+            </a:ln>
+            <a:effectLst/>
+            <a:extLst>
+              <a:ext uri="{909E8E84-426E-40DD-AFC4-6F175D3DCCD1}">
+                <a14:hiddenFill xmlns:a14="http://schemas.microsoft.com/office/drawing/2010/main">
+                  <a:solidFill>
+                    <a:schemeClr val="accent1"/>
+                  </a:solidFill>
+                </a14:hiddenFill>
+              </a:ext>
+              <a:ext uri="{AF507438-7753-43E0-B8FC-AC1667EBCBE1}">
+                <a14:hiddenEffects xmlns:a14="http://schemas.microsoft.com/office/drawing/2010/main">
+                  <a:effectLst>
+                    <a:outerShdw dist="35921" dir="2700000" algn="ctr" rotWithShape="0">
+                      <a:schemeClr val="bg2"/>
+                    </a:outerShdw>
+                  </a:effectLst>
+                </a14:hiddenEffects>
+              </a:ext>
+            </a:extLst>
+          </p:spPr>
+          <p:txBody>
+            <a:bodyPr/>
+            <a:lstStyle/>
+            <a:p>
+              <a:endParaRPr lang="id-ID"/>
+            </a:p>
+          </p:txBody>
+        </p:sp>
+        <p:sp>
+          <p:nvSpPr>
+            <p:cNvPr id="27" name="Text Box 22">
+              <a:extLst>
+                <a:ext uri="{FF2B5EF4-FFF2-40B4-BE49-F238E27FC236}">
+                  <a16:creationId xmlns:a16="http://schemas.microsoft.com/office/drawing/2014/main" id="{55E2CAF8-6F41-49DE-90FD-BCBE11273704}"/>
+                </a:ext>
+              </a:extLst>
+            </p:cNvPr>
+            <p:cNvSpPr txBox="1">
+              <a:spLocks noChangeArrowheads="1"/>
+            </p:cNvSpPr>
+            <p:nvPr/>
+          </p:nvSpPr>
+          <p:spPr bwMode="auto">
+            <a:xfrm>
+              <a:off x="4211638" y="1744663"/>
+              <a:ext cx="1117600" cy="457200"/>
+            </a:xfrm>
+            <a:prstGeom prst="rect">
+              <a:avLst/>
+            </a:prstGeom>
+            <a:noFill/>
+            <a:ln>
+              <a:noFill/>
+            </a:ln>
+            <a:effectLst/>
+            <a:extLst>
+              <a:ext uri="{909E8E84-426E-40DD-AFC4-6F175D3DCCD1}">
+                <a14:hiddenFill xmlns:a14="http://schemas.microsoft.com/office/drawing/2010/main">
+                  <a:solidFill>
+                    <a:schemeClr val="accent1"/>
+                  </a:solidFill>
+                </a14:hiddenFill>
+              </a:ext>
+              <a:ext uri="{91240B29-F687-4F45-9708-019B960494DF}">
+                <a14:hiddenLine xmlns:a14="http://schemas.microsoft.com/office/drawing/2010/main" w="9525">
+                  <a:solidFill>
+                    <a:schemeClr val="tx1"/>
+                  </a:solidFill>
+                  <a:miter lim="800000"/>
+                  <a:headEnd/>
+                  <a:tailEnd/>
+                </a14:hiddenLine>
+              </a:ext>
+              <a:ext uri="{AF507438-7753-43E0-B8FC-AC1667EBCBE1}">
+                <a14:hiddenEffects xmlns:a14="http://schemas.microsoft.com/office/drawing/2010/main">
+                  <a:effectLst>
+                    <a:outerShdw dist="35921" dir="2700000" algn="ctr" rotWithShape="0">
+                      <a:schemeClr val="bg2"/>
+                    </a:outerShdw>
+                  </a:effectLst>
+                </a14:hiddenEffects>
+              </a:ext>
+            </a:extLst>
+          </p:spPr>
+          <p:txBody>
+            <a:bodyPr wrap="none">
+              <a:spAutoFit/>
+            </a:bodyPr>
+            <a:lstStyle/>
+            <a:p>
+              <a:r>
+                <a:rPr lang="en-US" altLang="ja-JP" sz="2400"/>
+                <a:t>Margin</a:t>
+              </a:r>
+            </a:p>
+          </p:txBody>
+        </p:sp>
+        <p:sp>
+          <p:nvSpPr>
+            <p:cNvPr id="28" name="Oval 23">
+              <a:extLst>
+                <a:ext uri="{FF2B5EF4-FFF2-40B4-BE49-F238E27FC236}">
+                  <a16:creationId xmlns:a16="http://schemas.microsoft.com/office/drawing/2014/main" id="{BB315204-5600-45E4-9083-B3928EC78F17}"/>
+                </a:ext>
+              </a:extLst>
+            </p:cNvPr>
+            <p:cNvSpPr>
+              <a:spLocks noChangeArrowheads="1"/>
+            </p:cNvSpPr>
+            <p:nvPr/>
+          </p:nvSpPr>
+          <p:spPr bwMode="auto">
+            <a:xfrm>
+              <a:off x="5351463" y="5937250"/>
+              <a:ext cx="228600" cy="228600"/>
+            </a:xfrm>
+            <a:prstGeom prst="ellipse">
+              <a:avLst/>
+            </a:prstGeom>
+            <a:solidFill>
+              <a:srgbClr val="FFFF66"/>
+            </a:solidFill>
+            <a:ln w="9525">
+              <a:solidFill>
+                <a:schemeClr val="tx1"/>
+              </a:solidFill>
+              <a:round/>
+              <a:headEnd/>
+              <a:tailEnd/>
+            </a:ln>
+            <a:effectLst/>
+            <a:extLst>
+              <a:ext uri="{AF507438-7753-43E0-B8FC-AC1667EBCBE1}">
+                <a14:hiddenEffects xmlns:a14="http://schemas.microsoft.com/office/drawing/2010/main">
+                  <a:effectLst>
+                    <a:outerShdw dist="35921" dir="2700000" algn="ctr" rotWithShape="0">
+                      <a:schemeClr val="bg2"/>
+                    </a:outerShdw>
+                  </a:effectLst>
+                </a14:hiddenEffects>
+              </a:ext>
+            </a:extLst>
+          </p:spPr>
+          <p:txBody>
+            <a:bodyPr wrap="none" anchor="ctr"/>
+            <a:lstStyle/>
+            <a:p>
+              <a:endParaRPr lang="id-ID"/>
+            </a:p>
+          </p:txBody>
+        </p:sp>
+        <p:sp>
+          <p:nvSpPr>
+            <p:cNvPr id="29" name="Rectangle 24">
+              <a:extLst>
+                <a:ext uri="{FF2B5EF4-FFF2-40B4-BE49-F238E27FC236}">
+                  <a16:creationId xmlns:a16="http://schemas.microsoft.com/office/drawing/2014/main" id="{DC6E4E13-2FD8-4144-8F50-BE5DFBE81EDB}"/>
+                </a:ext>
+              </a:extLst>
+            </p:cNvPr>
+            <p:cNvSpPr>
+              <a:spLocks noChangeArrowheads="1"/>
+            </p:cNvSpPr>
+            <p:nvPr/>
+          </p:nvSpPr>
+          <p:spPr bwMode="auto">
+            <a:xfrm>
+              <a:off x="3348038" y="5937250"/>
+              <a:ext cx="228600" cy="228600"/>
+            </a:xfrm>
+            <a:prstGeom prst="rect">
+              <a:avLst/>
+            </a:prstGeom>
+            <a:solidFill>
+              <a:srgbClr val="FF3300"/>
+            </a:solidFill>
+            <a:ln w="9525">
+              <a:solidFill>
+                <a:schemeClr val="tx1"/>
+              </a:solidFill>
+              <a:miter lim="800000"/>
+              <a:headEnd/>
+              <a:tailEnd/>
+            </a:ln>
+            <a:effectLst/>
+            <a:extLst>
+              <a:ext uri="{AF507438-7753-43E0-B8FC-AC1667EBCBE1}">
+                <a14:hiddenEffects xmlns:a14="http://schemas.microsoft.com/office/drawing/2010/main">
+                  <a:effectLst>
+                    <a:outerShdw dist="35921" dir="2700000" algn="ctr" rotWithShape="0">
+                      <a:schemeClr val="bg2"/>
+                    </a:outerShdw>
+                  </a:effectLst>
+                </a14:hiddenEffects>
+              </a:ext>
+            </a:extLst>
+          </p:spPr>
+          <p:txBody>
+            <a:bodyPr wrap="none" anchor="ctr"/>
+            <a:lstStyle/>
+            <a:p>
+              <a:endParaRPr lang="id-ID"/>
+            </a:p>
+          </p:txBody>
+        </p:sp>
+        <p:sp>
+          <p:nvSpPr>
+            <p:cNvPr id="30" name="Text Box 25">
+              <a:extLst>
+                <a:ext uri="{FF2B5EF4-FFF2-40B4-BE49-F238E27FC236}">
+                  <a16:creationId xmlns:a16="http://schemas.microsoft.com/office/drawing/2014/main" id="{A430BB0F-1CC8-49E6-908F-3B7F1C87649E}"/>
+                </a:ext>
+              </a:extLst>
+            </p:cNvPr>
+            <p:cNvSpPr txBox="1">
+              <a:spLocks noChangeArrowheads="1"/>
+            </p:cNvSpPr>
+            <p:nvPr/>
+          </p:nvSpPr>
+          <p:spPr bwMode="auto">
+            <a:xfrm>
+              <a:off x="3562350" y="5805488"/>
+              <a:ext cx="3962400" cy="457200"/>
+            </a:xfrm>
+            <a:prstGeom prst="rect">
+              <a:avLst/>
+            </a:prstGeom>
+            <a:noFill/>
+            <a:ln>
+              <a:noFill/>
+            </a:ln>
+            <a:effectLst/>
+            <a:extLst>
+              <a:ext uri="{909E8E84-426E-40DD-AFC4-6F175D3DCCD1}">
+                <a14:hiddenFill xmlns:a14="http://schemas.microsoft.com/office/drawing/2010/main">
+                  <a:solidFill>
+                    <a:schemeClr val="accent1"/>
+                  </a:solidFill>
+                </a14:hiddenFill>
+              </a:ext>
+              <a:ext uri="{91240B29-F687-4F45-9708-019B960494DF}">
+                <a14:hiddenLine xmlns:a14="http://schemas.microsoft.com/office/drawing/2010/main" w="9525">
+                  <a:solidFill>
+                    <a:schemeClr val="tx1"/>
+                  </a:solidFill>
+                  <a:miter lim="800000"/>
+                  <a:headEnd/>
+                  <a:tailEnd/>
+                </a14:hiddenLine>
+              </a:ext>
+              <a:ext uri="{AF507438-7753-43E0-B8FC-AC1667EBCBE1}">
+                <a14:hiddenEffects xmlns:a14="http://schemas.microsoft.com/office/drawing/2010/main">
+                  <a:effectLst>
+                    <a:outerShdw dist="35921" dir="2700000" algn="ctr" rotWithShape="0">
+                      <a:schemeClr val="bg2"/>
+                    </a:outerShdw>
+                  </a:effectLst>
+                </a14:hiddenEffects>
+              </a:ext>
+            </a:extLst>
+          </p:spPr>
+          <p:txBody>
+            <a:bodyPr>
+              <a:spAutoFit/>
+            </a:bodyPr>
+            <a:lstStyle/>
+            <a:p>
+              <a:pPr>
+                <a:spcBef>
+                  <a:spcPct val="50000"/>
+                </a:spcBef>
+              </a:pPr>
+              <a:r>
+                <a:rPr lang="en-US" altLang="ja-JP" sz="2400">
+                  <a:latin typeface="Times New Roman" panose="02020603050405020304" pitchFamily="18" charset="0"/>
+                </a:rPr>
+                <a:t>Class </a:t>
+              </a:r>
+              <a:r>
+                <a:rPr lang="en-US" altLang="ja-JP">
+                  <a:latin typeface="Symbol" panose="05050102010706020507" pitchFamily="18" charset="2"/>
+                </a:rPr>
+                <a:t>-</a:t>
+              </a:r>
+              <a:r>
+                <a:rPr lang="en-US" altLang="ja-JP" sz="2400">
+                  <a:latin typeface="Times New Roman" panose="02020603050405020304" pitchFamily="18" charset="0"/>
+                </a:rPr>
+                <a:t>1</a:t>
+              </a:r>
+              <a:r>
+                <a:rPr lang="ja-JP" altLang="en-US" sz="2400">
+                  <a:latin typeface="Times New Roman" panose="02020603050405020304" pitchFamily="18" charset="0"/>
+                </a:rPr>
+                <a:t>　　　　　</a:t>
+              </a:r>
+              <a:r>
+                <a:rPr lang="en-US" altLang="ja-JP" sz="2400">
+                  <a:latin typeface="Times New Roman" panose="02020603050405020304" pitchFamily="18" charset="0"/>
+                </a:rPr>
+                <a:t>Class +1</a:t>
+              </a:r>
+            </a:p>
+          </p:txBody>
+        </p:sp>
+        <p:sp>
+          <p:nvSpPr>
+            <p:cNvPr id="31" name="Oval 26">
+              <a:extLst>
+                <a:ext uri="{FF2B5EF4-FFF2-40B4-BE49-F238E27FC236}">
+                  <a16:creationId xmlns:a16="http://schemas.microsoft.com/office/drawing/2014/main" id="{0145165C-5186-4476-AF97-31E674FF1720}"/>
+                </a:ext>
+              </a:extLst>
+            </p:cNvPr>
+            <p:cNvSpPr>
+              <a:spLocks noChangeArrowheads="1"/>
+            </p:cNvSpPr>
+            <p:nvPr/>
+          </p:nvSpPr>
+          <p:spPr bwMode="auto">
+            <a:xfrm>
+              <a:off x="4716463" y="3500438"/>
+              <a:ext cx="360362" cy="433387"/>
+            </a:xfrm>
+            <a:prstGeom prst="ellipse">
+              <a:avLst/>
+            </a:prstGeom>
+            <a:noFill/>
+            <a:ln w="9525">
+              <a:solidFill>
+                <a:schemeClr val="tx1"/>
+              </a:solidFill>
+              <a:round/>
+              <a:headEnd/>
+              <a:tailEnd/>
+            </a:ln>
+            <a:effectLst/>
+            <a:extLst>
+              <a:ext uri="{909E8E84-426E-40DD-AFC4-6F175D3DCCD1}">
+                <a14:hiddenFill xmlns:a14="http://schemas.microsoft.com/office/drawing/2010/main">
+                  <a:solidFill>
+                    <a:schemeClr val="accent1"/>
+                  </a:solidFill>
+                </a14:hiddenFill>
+              </a:ext>
+              <a:ext uri="{AF507438-7753-43E0-B8FC-AC1667EBCBE1}">
+                <a14:hiddenEffects xmlns:a14="http://schemas.microsoft.com/office/drawing/2010/main">
+                  <a:effectLst>
+                    <a:outerShdw dist="35921" dir="2700000" algn="ctr" rotWithShape="0">
+                      <a:schemeClr val="bg2"/>
+                    </a:outerShdw>
+                  </a:effectLst>
+                </a14:hiddenEffects>
+              </a:ext>
+            </a:extLst>
+          </p:spPr>
+          <p:txBody>
+            <a:bodyPr wrap="none" anchor="ctr"/>
+            <a:lstStyle/>
+            <a:p>
+              <a:endParaRPr lang="id-ID"/>
+            </a:p>
+          </p:txBody>
+        </p:sp>
+        <p:sp>
+          <p:nvSpPr>
+            <p:cNvPr id="32" name="Oval 27">
+              <a:extLst>
+                <a:ext uri="{FF2B5EF4-FFF2-40B4-BE49-F238E27FC236}">
+                  <a16:creationId xmlns:a16="http://schemas.microsoft.com/office/drawing/2014/main" id="{405928B6-01C8-4937-AB30-7F62A39F5BF0}"/>
+                </a:ext>
+              </a:extLst>
+            </p:cNvPr>
+            <p:cNvSpPr>
+              <a:spLocks noChangeArrowheads="1"/>
+            </p:cNvSpPr>
+            <p:nvPr/>
+          </p:nvSpPr>
+          <p:spPr bwMode="auto">
+            <a:xfrm>
+              <a:off x="5435600" y="4508500"/>
+              <a:ext cx="360363" cy="433388"/>
+            </a:xfrm>
+            <a:prstGeom prst="ellipse">
+              <a:avLst/>
+            </a:prstGeom>
+            <a:noFill/>
+            <a:ln w="9525">
+              <a:solidFill>
+                <a:schemeClr val="tx1"/>
+              </a:solidFill>
+              <a:round/>
+              <a:headEnd/>
+              <a:tailEnd/>
+            </a:ln>
+            <a:effectLst/>
+            <a:extLst>
+              <a:ext uri="{909E8E84-426E-40DD-AFC4-6F175D3DCCD1}">
+                <a14:hiddenFill xmlns:a14="http://schemas.microsoft.com/office/drawing/2010/main">
+                  <a:solidFill>
+                    <a:schemeClr val="accent1"/>
+                  </a:solidFill>
+                </a14:hiddenFill>
+              </a:ext>
+              <a:ext uri="{AF507438-7753-43E0-B8FC-AC1667EBCBE1}">
+                <a14:hiddenEffects xmlns:a14="http://schemas.microsoft.com/office/drawing/2010/main">
+                  <a:effectLst>
+                    <a:outerShdw dist="35921" dir="2700000" algn="ctr" rotWithShape="0">
+                      <a:schemeClr val="bg2"/>
+                    </a:outerShdw>
+                  </a:effectLst>
+                </a14:hiddenEffects>
+              </a:ext>
+            </a:extLst>
+          </p:spPr>
+          <p:txBody>
+            <a:bodyPr wrap="none" anchor="ctr"/>
+            <a:lstStyle/>
+            <a:p>
+              <a:endParaRPr lang="id-ID"/>
+            </a:p>
+          </p:txBody>
+        </p:sp>
+        <p:sp>
+          <p:nvSpPr>
+            <p:cNvPr id="33" name="Oval 28">
+              <a:extLst>
+                <a:ext uri="{FF2B5EF4-FFF2-40B4-BE49-F238E27FC236}">
+                  <a16:creationId xmlns:a16="http://schemas.microsoft.com/office/drawing/2014/main" id="{8FCA2B31-8E50-4CCF-8492-784F4D0126C6}"/>
+                </a:ext>
+              </a:extLst>
+            </p:cNvPr>
+            <p:cNvSpPr>
+              <a:spLocks noChangeArrowheads="1"/>
+            </p:cNvSpPr>
+            <p:nvPr/>
+          </p:nvSpPr>
+          <p:spPr bwMode="auto">
+            <a:xfrm>
+              <a:off x="4284663" y="4652963"/>
+              <a:ext cx="360362" cy="433387"/>
+            </a:xfrm>
+            <a:prstGeom prst="ellipse">
+              <a:avLst/>
+            </a:prstGeom>
+            <a:noFill/>
+            <a:ln w="9525">
+              <a:solidFill>
+                <a:schemeClr val="tx1"/>
+              </a:solidFill>
+              <a:round/>
+              <a:headEnd/>
+              <a:tailEnd/>
+            </a:ln>
+            <a:effectLst/>
+            <a:extLst>
+              <a:ext uri="{909E8E84-426E-40DD-AFC4-6F175D3DCCD1}">
+                <a14:hiddenFill xmlns:a14="http://schemas.microsoft.com/office/drawing/2010/main">
+                  <a:solidFill>
+                    <a:schemeClr val="accent1"/>
+                  </a:solidFill>
+                </a14:hiddenFill>
+              </a:ext>
+              <a:ext uri="{AF507438-7753-43E0-B8FC-AC1667EBCBE1}">
+                <a14:hiddenEffects xmlns:a14="http://schemas.microsoft.com/office/drawing/2010/main">
+                  <a:effectLst>
+                    <a:outerShdw dist="35921" dir="2700000" algn="ctr" rotWithShape="0">
+                      <a:schemeClr val="bg2"/>
+                    </a:outerShdw>
+                  </a:effectLst>
+                </a14:hiddenEffects>
+              </a:ext>
+            </a:extLst>
+          </p:spPr>
+          <p:txBody>
+            <a:bodyPr wrap="none" anchor="ctr"/>
+            <a:lstStyle/>
+            <a:p>
+              <a:endParaRPr lang="id-ID"/>
+            </a:p>
+          </p:txBody>
+        </p:sp>
+        <p:sp>
+          <p:nvSpPr>
+            <p:cNvPr id="34" name="Oval 29">
+              <a:extLst>
+                <a:ext uri="{FF2B5EF4-FFF2-40B4-BE49-F238E27FC236}">
+                  <a16:creationId xmlns:a16="http://schemas.microsoft.com/office/drawing/2014/main" id="{91D3F072-F348-40D6-8938-893EA3807EE3}"/>
+                </a:ext>
+              </a:extLst>
+            </p:cNvPr>
+            <p:cNvSpPr>
+              <a:spLocks noChangeArrowheads="1"/>
+            </p:cNvSpPr>
+            <p:nvPr/>
+          </p:nvSpPr>
+          <p:spPr bwMode="auto">
+            <a:xfrm>
+              <a:off x="3132138" y="2995613"/>
+              <a:ext cx="360362" cy="433387"/>
+            </a:xfrm>
+            <a:prstGeom prst="ellipse">
+              <a:avLst/>
+            </a:prstGeom>
+            <a:noFill/>
+            <a:ln w="9525">
+              <a:solidFill>
+                <a:schemeClr val="tx1"/>
+              </a:solidFill>
+              <a:round/>
+              <a:headEnd/>
+              <a:tailEnd/>
+            </a:ln>
+            <a:effectLst/>
+            <a:extLst>
+              <a:ext uri="{909E8E84-426E-40DD-AFC4-6F175D3DCCD1}">
+                <a14:hiddenFill xmlns:a14="http://schemas.microsoft.com/office/drawing/2010/main">
+                  <a:solidFill>
+                    <a:schemeClr val="accent1"/>
+                  </a:solidFill>
+                </a14:hiddenFill>
+              </a:ext>
+              <a:ext uri="{AF507438-7753-43E0-B8FC-AC1667EBCBE1}">
+                <a14:hiddenEffects xmlns:a14="http://schemas.microsoft.com/office/drawing/2010/main">
+                  <a:effectLst>
+                    <a:outerShdw dist="35921" dir="2700000" algn="ctr" rotWithShape="0">
+                      <a:schemeClr val="bg2"/>
+                    </a:outerShdw>
+                  </a:effectLst>
+                </a14:hiddenEffects>
+              </a:ext>
+            </a:extLst>
+          </p:spPr>
+          <p:txBody>
+            <a:bodyPr wrap="none" anchor="ctr"/>
+            <a:lstStyle/>
+            <a:p>
+              <a:endParaRPr lang="id-ID"/>
+            </a:p>
+          </p:txBody>
+        </p:sp>
+        <p:sp>
+          <p:nvSpPr>
+            <p:cNvPr id="35" name="Text Box 31">
+              <a:extLst>
+                <a:ext uri="{FF2B5EF4-FFF2-40B4-BE49-F238E27FC236}">
+                  <a16:creationId xmlns:a16="http://schemas.microsoft.com/office/drawing/2014/main" id="{DD25B324-7ACF-4F2E-9B09-C4866346CBEB}"/>
+                </a:ext>
+              </a:extLst>
+            </p:cNvPr>
+            <p:cNvSpPr txBox="1">
+              <a:spLocks noChangeArrowheads="1"/>
+            </p:cNvSpPr>
+            <p:nvPr/>
+          </p:nvSpPr>
+          <p:spPr bwMode="auto">
+            <a:xfrm>
+              <a:off x="3502025" y="2106613"/>
+              <a:ext cx="311150" cy="366712"/>
+            </a:xfrm>
+            <a:prstGeom prst="rect">
+              <a:avLst/>
+            </a:prstGeom>
+            <a:noFill/>
+            <a:ln>
+              <a:noFill/>
+            </a:ln>
+            <a:effectLst/>
+            <a:extLst>
+              <a:ext uri="{909E8E84-426E-40DD-AFC4-6F175D3DCCD1}">
+                <a14:hiddenFill xmlns:a14="http://schemas.microsoft.com/office/drawing/2010/main">
+                  <a:solidFill>
+                    <a:schemeClr val="accent1"/>
+                  </a:solidFill>
+                </a14:hiddenFill>
+              </a:ext>
+              <a:ext uri="{91240B29-F687-4F45-9708-019B960494DF}">
+                <a14:hiddenLine xmlns:a14="http://schemas.microsoft.com/office/drawing/2010/main" w="9525">
+                  <a:solidFill>
+                    <a:schemeClr val="tx1"/>
+                  </a:solidFill>
+                  <a:miter lim="800000"/>
+                  <a:headEnd/>
+                  <a:tailEnd/>
+                </a14:hiddenLine>
+              </a:ext>
+              <a:ext uri="{AF507438-7753-43E0-B8FC-AC1667EBCBE1}">
+                <a14:hiddenEffects xmlns:a14="http://schemas.microsoft.com/office/drawing/2010/main">
+                  <a:effectLst>
+                    <a:outerShdw dist="35921" dir="2700000" algn="ctr" rotWithShape="0">
+                      <a:schemeClr val="bg2"/>
+                    </a:outerShdw>
+                  </a:effectLst>
+                </a14:hiddenEffects>
+              </a:ext>
+            </a:extLst>
+          </p:spPr>
+          <p:txBody>
+            <a:bodyPr wrap="none">
+              <a:spAutoFit/>
+            </a:bodyPr>
+            <a:lstStyle/>
+            <a:p>
+              <a:r>
+                <a:rPr lang="en-US" altLang="ja-JP"/>
+                <a:t>d</a:t>
+              </a:r>
+            </a:p>
+          </p:txBody>
+        </p:sp>
+      </p:grpSp>
     </p:spTree>
     <p:extLst>
       <p:ext uri="{BB962C8B-B14F-4D97-AF65-F5344CB8AC3E}">
-        <p14:creationId xmlns:p14="http://schemas.microsoft.com/office/powerpoint/2010/main" val="3464773620"/>
+        <p14:creationId xmlns:p14="http://schemas.microsoft.com/office/powerpoint/2010/main" val="2889911223"/>
       </p:ext>
     </p:extLst>
   </p:cSld>
@@ -16328,7 +18262,7 @@
           <p:cNvPr id="2" name="Title 1">
             <a:extLst>
               <a:ext uri="{FF2B5EF4-FFF2-40B4-BE49-F238E27FC236}">
-                <a16:creationId xmlns:a16="http://schemas.microsoft.com/office/drawing/2014/main" id="{130420EE-3262-4D3A-BFA3-5DFACF61AB0F}"/>
+                <a16:creationId xmlns:a16="http://schemas.microsoft.com/office/drawing/2014/main" id="{6E3AF0F6-F991-4DF9-A0CA-3144CA71FCCB}"/>
               </a:ext>
             </a:extLst>
           </p:cNvPr>
@@ -16345,8 +18279,49 @@
           <a:lstStyle/>
           <a:p>
             <a:r>
+              <a:rPr lang="en-US" dirty="0"/>
+              <a:t>Data yang </a:t>
+            </a:r>
+            <a:r>
               <a:rPr lang="en-US" dirty="0" err="1"/>
-              <a:t>Tahapan</a:t>
+              <a:t>Digunakan</a:t>
+            </a:r>
+            <a:endParaRPr lang="id-ID" dirty="0"/>
+          </a:p>
+        </p:txBody>
+      </p:sp>
+      <p:sp>
+        <p:nvSpPr>
+          <p:cNvPr id="3" name="Content Placeholder 2">
+            <a:extLst>
+              <a:ext uri="{FF2B5EF4-FFF2-40B4-BE49-F238E27FC236}">
+                <a16:creationId xmlns:a16="http://schemas.microsoft.com/office/drawing/2014/main" id="{745AEDFA-839A-41FE-AF4B-E1A5578E60B9}"/>
+              </a:ext>
+            </a:extLst>
+          </p:cNvPr>
+          <p:cNvSpPr>
+            <a:spLocks noGrp="1"/>
+          </p:cNvSpPr>
+          <p:nvPr>
+            <p:ph idx="1"/>
+          </p:nvPr>
+        </p:nvSpPr>
+        <p:spPr/>
+        <p:txBody>
+          <a:bodyPr/>
+          <a:lstStyle/>
+          <a:p>
+            <a:r>
+              <a:rPr lang="id-ID" dirty="0"/>
+              <a:t>Data </a:t>
+            </a:r>
+            <a:r>
+              <a:rPr lang="en-US" dirty="0"/>
+              <a:t>yang </a:t>
+            </a:r>
+            <a:r>
+              <a:rPr lang="en-US" dirty="0" err="1"/>
+              <a:t>digunakan</a:t>
             </a:r>
             <a:r>
               <a:rPr lang="en-US" dirty="0"/>
@@ -16354,9 +18329,78 @@
             </a:r>
             <a:r>
               <a:rPr lang="en-US" dirty="0" err="1"/>
-              <a:t>Pengerjaan</a:t>
-            </a:r>
-            <a:endParaRPr lang="id-ID" dirty="0"/>
+              <a:t>adalah</a:t>
+            </a:r>
+            <a:r>
+              <a:rPr lang="en-US" dirty="0"/>
+              <a:t> </a:t>
+            </a:r>
+            <a:r>
+              <a:rPr lang="id-ID" dirty="0"/>
+              <a:t>data ekspresi gen penyakit </a:t>
+            </a:r>
+            <a:r>
+              <a:rPr lang="id-ID" dirty="0" err="1"/>
+              <a:t>colon</a:t>
+            </a:r>
+            <a:r>
+              <a:rPr lang="id-ID" dirty="0"/>
+              <a:t> cancer yang memiliki 2000 atribut input+1 </a:t>
+            </a:r>
+            <a:r>
+              <a:rPr lang="id-ID" dirty="0" err="1"/>
+              <a:t>class</a:t>
+            </a:r>
+            <a:r>
+              <a:rPr lang="id-ID" dirty="0"/>
+              <a:t>, 62 </a:t>
+            </a:r>
+            <a:r>
+              <a:rPr lang="id-ID" dirty="0" err="1"/>
+              <a:t>record</a:t>
+            </a:r>
+            <a:r>
+              <a:rPr lang="id-ID" dirty="0"/>
+              <a:t>. kemudian telah direduksi dimensi menggunakan algoritma ANFIS&amp;ACO </a:t>
+            </a:r>
+            <a:r>
+              <a:rPr lang="id-ID" dirty="0" err="1"/>
+              <a:t>shg</a:t>
+            </a:r>
+            <a:r>
+              <a:rPr lang="id-ID" dirty="0"/>
+              <a:t> menghasilkan 5 dimensi terbaik yang memberikan akurasi terbesar 84.21%</a:t>
+            </a:r>
+          </a:p>
+          <a:p>
+            <a:r>
+              <a:rPr lang="id-ID" dirty="0"/>
+              <a:t>Data </a:t>
+            </a:r>
+            <a:r>
+              <a:rPr lang="id-ID" dirty="0" err="1"/>
+              <a:t>train</a:t>
+            </a:r>
+            <a:r>
+              <a:rPr lang="id-ID" dirty="0"/>
+              <a:t> memiliki 43 </a:t>
+            </a:r>
+            <a:r>
+              <a:rPr lang="id-ID" dirty="0" err="1"/>
+              <a:t>record</a:t>
+            </a:r>
+            <a:r>
+              <a:rPr lang="id-ID" dirty="0"/>
+              <a:t> dan data testing 19 </a:t>
+            </a:r>
+            <a:r>
+              <a:rPr lang="id-ID" dirty="0" err="1"/>
+              <a:t>record</a:t>
+            </a:r>
+            <a:r>
+              <a:rPr lang="id-ID" dirty="0"/>
+              <a:t>, dengan 5 atribut/dimensi hasil reduksi</a:t>
+            </a:r>
           </a:p>
         </p:txBody>
       </p:sp>
@@ -16365,7 +18409,7 @@
           <p:cNvPr id="4" name="Footer Placeholder 3">
             <a:extLst>
               <a:ext uri="{FF2B5EF4-FFF2-40B4-BE49-F238E27FC236}">
-                <a16:creationId xmlns:a16="http://schemas.microsoft.com/office/drawing/2014/main" id="{74C991DF-FB3D-46DA-824C-2F7B157A7665}"/>
+                <a16:creationId xmlns:a16="http://schemas.microsoft.com/office/drawing/2014/main" id="{0AB7381B-E03D-40D6-8245-086786607981}"/>
               </a:ext>
             </a:extLst>
           </p:cNvPr>
@@ -16395,7 +18439,7 @@
           <p:cNvPr id="5" name="Slide Number Placeholder 4">
             <a:extLst>
               <a:ext uri="{FF2B5EF4-FFF2-40B4-BE49-F238E27FC236}">
-                <a16:creationId xmlns:a16="http://schemas.microsoft.com/office/drawing/2014/main" id="{93F89EFB-D6BF-4A00-9044-1428D99CEA7C}"/>
+                <a16:creationId xmlns:a16="http://schemas.microsoft.com/office/drawing/2014/main" id="{4BAA03F5-9F4A-44D4-803D-6A026D4BE9E9}"/>
               </a:ext>
             </a:extLst>
           </p:cNvPr>
@@ -16425,7 +18469,7 @@
           <p:cNvPr id="6" name="Text Placeholder 5">
             <a:extLst>
               <a:ext uri="{FF2B5EF4-FFF2-40B4-BE49-F238E27FC236}">
-                <a16:creationId xmlns:a16="http://schemas.microsoft.com/office/drawing/2014/main" id="{FD2BA136-42CC-4654-914F-A6475CAA3044}"/>
+                <a16:creationId xmlns:a16="http://schemas.microsoft.com/office/drawing/2014/main" id="{57FDE811-9AD3-4780-B860-1DC9484394DD}"/>
               </a:ext>
             </a:extLst>
           </p:cNvPr>
@@ -16441,350 +18485,14 @@
           <a:bodyPr/>
           <a:lstStyle/>
           <a:p>
-            <a:endParaRPr lang="id-ID" dirty="0"/>
-          </a:p>
-        </p:txBody>
-      </p:sp>
-      <p:sp>
-        <p:nvSpPr>
-          <p:cNvPr id="8" name="TextBox 7">
-            <a:extLst>
-              <a:ext uri="{FF2B5EF4-FFF2-40B4-BE49-F238E27FC236}">
-                <a16:creationId xmlns:a16="http://schemas.microsoft.com/office/drawing/2014/main" id="{A10F4A33-E021-49BF-B711-DD55B3BDCB76}"/>
-              </a:ext>
-            </a:extLst>
-          </p:cNvPr>
-          <p:cNvSpPr txBox="1"/>
-          <p:nvPr/>
-        </p:nvSpPr>
-        <p:spPr>
-          <a:xfrm>
-            <a:off x="731520" y="1969477"/>
-            <a:ext cx="10424160" cy="4135901"/>
-          </a:xfrm>
-          <a:prstGeom prst="rect">
-            <a:avLst/>
-          </a:prstGeom>
-        </p:spPr>
-        <p:txBody>
-          <a:bodyPr vert="horz" wrap="square" lIns="91440" tIns="45720" rIns="91440" bIns="45720" rtlCol="0" anchor="t">
-            <a:noAutofit/>
-          </a:bodyPr>
-          <a:lstStyle/>
-          <a:p>
-            <a:pPr marL="285750" indent="-285750">
-              <a:buFont typeface="Arial" panose="020B0604020202020204" pitchFamily="34" charset="0"/>
-              <a:buChar char="•"/>
-            </a:pPr>
-            <a:r>
-              <a:rPr lang="en-US" sz="2000" dirty="0"/>
-              <a:t>Pre-processing	: </a:t>
-            </a:r>
-          </a:p>
-          <a:p>
-            <a:pPr marL="800100" lvl="1" indent="-342900">
-              <a:buFont typeface="Courier New" panose="02070309020205020404" pitchFamily="49" charset="0"/>
-              <a:buChar char="o"/>
-            </a:pPr>
-            <a:r>
-              <a:rPr lang="en-US" sz="2000" dirty="0" err="1"/>
-              <a:t>Menghilangkan</a:t>
-            </a:r>
-            <a:r>
-              <a:rPr lang="en-US" sz="2000" dirty="0"/>
-              <a:t> outlier yang </a:t>
-            </a:r>
-            <a:r>
-              <a:rPr lang="en-US" sz="2000" dirty="0" err="1"/>
-              <a:t>ada</a:t>
-            </a:r>
-            <a:r>
-              <a:rPr lang="en-US" sz="2000" dirty="0"/>
-              <a:t>. </a:t>
-            </a:r>
-          </a:p>
-          <a:p>
-            <a:pPr marL="800100" lvl="1" indent="-342900">
-              <a:buFont typeface="Courier New" panose="02070309020205020404" pitchFamily="49" charset="0"/>
-              <a:buChar char="o"/>
-            </a:pPr>
-            <a:r>
-              <a:rPr lang="en-US" sz="2000" dirty="0" err="1"/>
-              <a:t>Mengisi</a:t>
-            </a:r>
-            <a:r>
-              <a:rPr lang="en-US" sz="2000" dirty="0"/>
-              <a:t> missing values. </a:t>
-            </a:r>
-          </a:p>
-          <a:p>
-            <a:pPr marL="285750" indent="-285750">
-              <a:buFont typeface="Arial" panose="020B0604020202020204" pitchFamily="34" charset="0"/>
-              <a:buChar char="•"/>
-            </a:pPr>
-            <a:r>
-              <a:rPr lang="en-US" sz="2000" dirty="0"/>
-              <a:t>Weka		: </a:t>
-            </a:r>
-          </a:p>
-          <a:p>
-            <a:pPr marL="800100" lvl="1" indent="-342900">
-              <a:buFont typeface="Courier New" panose="02070309020205020404" pitchFamily="49" charset="0"/>
-              <a:buChar char="o"/>
-            </a:pPr>
-            <a:r>
-              <a:rPr lang="en-US" sz="2000" dirty="0" err="1"/>
-              <a:t>Mencoba</a:t>
-            </a:r>
-            <a:r>
-              <a:rPr lang="en-US" sz="2000" dirty="0"/>
-              <a:t> </a:t>
-            </a:r>
-            <a:r>
-              <a:rPr lang="en-US" sz="2000" dirty="0" err="1"/>
-              <a:t>klasifikasi</a:t>
-            </a:r>
-            <a:r>
-              <a:rPr lang="en-US" sz="2000" dirty="0"/>
-              <a:t> SVM </a:t>
-            </a:r>
-            <a:r>
-              <a:rPr lang="en-US" sz="2000" dirty="0" err="1"/>
-              <a:t>menggunakan</a:t>
-            </a:r>
-            <a:r>
-              <a:rPr lang="en-US" sz="2000" dirty="0"/>
-              <a:t> tools yang </a:t>
-            </a:r>
-            <a:r>
-              <a:rPr lang="en-US" sz="2000" dirty="0" err="1"/>
-              <a:t>ada</a:t>
-            </a:r>
-            <a:r>
-              <a:rPr lang="en-US" sz="2000" dirty="0"/>
-              <a:t> di Weka. </a:t>
-            </a:r>
-          </a:p>
-          <a:p>
-            <a:pPr marL="800100" lvl="1" indent="-342900">
-              <a:buFont typeface="Courier New" panose="02070309020205020404" pitchFamily="49" charset="0"/>
-              <a:buChar char="o"/>
-            </a:pPr>
-            <a:r>
-              <a:rPr lang="en-US" sz="2000" dirty="0" err="1"/>
-              <a:t>Menggunakan</a:t>
-            </a:r>
-            <a:r>
-              <a:rPr lang="en-US" sz="2000" dirty="0"/>
-              <a:t> Supply Test Set. </a:t>
-            </a:r>
-          </a:p>
-          <a:p>
-            <a:pPr marL="800100" lvl="1" indent="-342900">
-              <a:buFont typeface="Courier New" panose="02070309020205020404" pitchFamily="49" charset="0"/>
-              <a:buChar char="o"/>
-            </a:pPr>
-            <a:r>
-              <a:rPr lang="en-US" sz="2000" dirty="0" err="1"/>
-              <a:t>Menerapkan</a:t>
-            </a:r>
-            <a:r>
-              <a:rPr lang="en-US" sz="2000" dirty="0"/>
-              <a:t> data </a:t>
-            </a:r>
-            <a:r>
-              <a:rPr lang="en-US" sz="2000" dirty="0" err="1"/>
-              <a:t>sebelum</a:t>
-            </a:r>
-            <a:r>
-              <a:rPr lang="en-US" sz="2000" dirty="0"/>
-              <a:t> pre-processing dan </a:t>
-            </a:r>
-            <a:r>
-              <a:rPr lang="en-US" sz="2000" dirty="0" err="1"/>
-              <a:t>sesudah</a:t>
-            </a:r>
-            <a:r>
-              <a:rPr lang="en-US" sz="2000" dirty="0"/>
-              <a:t> pre-processing dan </a:t>
-            </a:r>
-            <a:r>
-              <a:rPr lang="en-US" sz="2000" dirty="0" err="1"/>
-              <a:t>membandingkan</a:t>
-            </a:r>
-            <a:r>
-              <a:rPr lang="en-US" sz="2000" dirty="0"/>
-              <a:t> </a:t>
-            </a:r>
-            <a:r>
-              <a:rPr lang="en-US" sz="2000" dirty="0" err="1"/>
-              <a:t>akurasi</a:t>
-            </a:r>
-            <a:r>
-              <a:rPr lang="en-US" sz="2000" dirty="0"/>
-              <a:t>, </a:t>
-            </a:r>
-            <a:r>
-              <a:rPr lang="en-US" sz="2000" dirty="0" err="1"/>
-              <a:t>presisi</a:t>
-            </a:r>
-            <a:r>
-              <a:rPr lang="en-US" sz="2000" dirty="0"/>
-              <a:t>, dan recall </a:t>
-            </a:r>
-            <a:r>
-              <a:rPr lang="en-US" sz="2000" dirty="0" err="1"/>
-              <a:t>keduanya</a:t>
-            </a:r>
-            <a:r>
-              <a:rPr lang="en-US" sz="2000" dirty="0"/>
-              <a:t>.</a:t>
-            </a:r>
-          </a:p>
-          <a:p>
-            <a:pPr marL="285750" indent="-285750">
-              <a:buFont typeface="Arial" panose="020B0604020202020204" pitchFamily="34" charset="0"/>
-              <a:buChar char="•"/>
-            </a:pPr>
-            <a:r>
-              <a:rPr lang="en-US" sz="2000" dirty="0"/>
-              <a:t>Python	: </a:t>
-            </a:r>
-          </a:p>
-          <a:p>
-            <a:pPr marL="800100" lvl="1" indent="-342900">
-              <a:buFont typeface="Courier New" panose="02070309020205020404" pitchFamily="49" charset="0"/>
-              <a:buChar char="o"/>
-            </a:pPr>
-            <a:r>
-              <a:rPr lang="en-US" sz="2000" dirty="0" err="1"/>
-              <a:t>Mencoba</a:t>
-            </a:r>
-            <a:r>
-              <a:rPr lang="en-US" sz="2000" dirty="0"/>
-              <a:t> </a:t>
-            </a:r>
-            <a:r>
-              <a:rPr lang="en-US" sz="2000" dirty="0" err="1"/>
-              <a:t>klasifikasi</a:t>
-            </a:r>
-            <a:r>
-              <a:rPr lang="en-US" sz="2000" dirty="0"/>
-              <a:t> SVM </a:t>
-            </a:r>
-            <a:r>
-              <a:rPr lang="en-US" sz="2000" dirty="0" err="1"/>
-              <a:t>menggunakan</a:t>
-            </a:r>
-            <a:r>
-              <a:rPr lang="en-US" sz="2000" dirty="0"/>
-              <a:t> library yang </a:t>
-            </a:r>
-            <a:r>
-              <a:rPr lang="en-US" sz="2000" dirty="0" err="1"/>
-              <a:t>tersedia</a:t>
-            </a:r>
-            <a:r>
-              <a:rPr lang="en-US" sz="2000" dirty="0"/>
-              <a:t> di Python.</a:t>
-            </a:r>
-          </a:p>
-          <a:p>
-            <a:pPr marL="800100" lvl="1" indent="-342900">
-              <a:buFont typeface="Courier New" panose="02070309020205020404" pitchFamily="49" charset="0"/>
-              <a:buChar char="o"/>
-            </a:pPr>
-            <a:r>
-              <a:rPr lang="en-US" sz="2000" dirty="0" err="1"/>
-              <a:t>Menggunakan</a:t>
-            </a:r>
-            <a:r>
-              <a:rPr lang="en-US" sz="2000" dirty="0"/>
-              <a:t> kernel.</a:t>
-            </a:r>
-          </a:p>
-          <a:p>
-            <a:pPr marL="800100" lvl="1" indent="-342900">
-              <a:buFont typeface="Courier New" panose="02070309020205020404" pitchFamily="49" charset="0"/>
-              <a:buChar char="o"/>
-            </a:pPr>
-            <a:r>
-              <a:rPr lang="en-US" sz="2000" dirty="0" err="1"/>
-              <a:t>Menerapkan</a:t>
-            </a:r>
-            <a:r>
-              <a:rPr lang="en-US" sz="2000" dirty="0"/>
-              <a:t> data </a:t>
-            </a:r>
-            <a:r>
-              <a:rPr lang="en-US" sz="2000" dirty="0" err="1"/>
-              <a:t>sebelum</a:t>
-            </a:r>
-            <a:r>
-              <a:rPr lang="en-US" sz="2000" dirty="0"/>
-              <a:t> pre-processing dan </a:t>
-            </a:r>
-            <a:r>
-              <a:rPr lang="en-US" sz="2000" dirty="0" err="1"/>
-              <a:t>sesudah</a:t>
-            </a:r>
-            <a:r>
-              <a:rPr lang="en-US" sz="2000" dirty="0"/>
-              <a:t> pre-processing dan </a:t>
-            </a:r>
-            <a:r>
-              <a:rPr lang="en-US" sz="2000" dirty="0" err="1"/>
-              <a:t>membandingkan</a:t>
-            </a:r>
-            <a:r>
-              <a:rPr lang="en-US" sz="2000" dirty="0"/>
-              <a:t> </a:t>
-            </a:r>
-            <a:r>
-              <a:rPr lang="en-US" sz="2000" dirty="0" err="1"/>
-              <a:t>akurasi</a:t>
-            </a:r>
-            <a:r>
-              <a:rPr lang="en-US" sz="2000" dirty="0"/>
-              <a:t>, </a:t>
-            </a:r>
-            <a:r>
-              <a:rPr lang="en-US" sz="2000" dirty="0" err="1"/>
-              <a:t>presisi</a:t>
-            </a:r>
-            <a:r>
-              <a:rPr lang="en-US" sz="2000" dirty="0"/>
-              <a:t>, dan recall </a:t>
-            </a:r>
-            <a:r>
-              <a:rPr lang="en-US" sz="2000" dirty="0" err="1"/>
-              <a:t>keduanya</a:t>
-            </a:r>
-            <a:r>
-              <a:rPr lang="en-US" sz="2000" dirty="0"/>
-              <a:t>.</a:t>
-            </a:r>
-          </a:p>
-          <a:p>
-            <a:pPr marL="285750" indent="-285750">
-              <a:buFont typeface="Arial" panose="020B0604020202020204" pitchFamily="34" charset="0"/>
-              <a:buChar char="•"/>
-            </a:pPr>
-            <a:endParaRPr lang="en-US" sz="2000" dirty="0"/>
-          </a:p>
-          <a:p>
-            <a:pPr marL="742950" lvl="1" indent="-285750">
-              <a:buFont typeface="Courier New" panose="02070309020205020404" pitchFamily="49" charset="0"/>
-              <a:buChar char="o"/>
-            </a:pPr>
-            <a:endParaRPr lang="en-US" sz="2000" dirty="0"/>
+            <a:endParaRPr lang="id-ID"/>
           </a:p>
         </p:txBody>
       </p:sp>
     </p:spTree>
     <p:extLst>
       <p:ext uri="{BB962C8B-B14F-4D97-AF65-F5344CB8AC3E}">
-        <p14:creationId xmlns:p14="http://schemas.microsoft.com/office/powerpoint/2010/main" val="3250469235"/>
+        <p14:creationId xmlns:p14="http://schemas.microsoft.com/office/powerpoint/2010/main" val="4290068818"/>
       </p:ext>
     </p:extLst>
   </p:cSld>
@@ -16816,7 +18524,7 @@
           <p:cNvPr id="2" name="Title 1">
             <a:extLst>
               <a:ext uri="{FF2B5EF4-FFF2-40B4-BE49-F238E27FC236}">
-                <a16:creationId xmlns:a16="http://schemas.microsoft.com/office/drawing/2014/main" id="{D0EEA856-34E8-4ECD-B6AC-98C261237D43}"/>
+                <a16:creationId xmlns:a16="http://schemas.microsoft.com/office/drawing/2014/main" id="{0A275967-D2CE-414F-A3F2-787EACCA343A}"/>
               </a:ext>
             </a:extLst>
           </p:cNvPr>
@@ -16833,13 +18541,85 @@
           <a:lstStyle/>
           <a:p>
             <a:r>
+              <a:rPr lang="en-US" dirty="0"/>
+              <a:t>Tools yang </a:t>
+            </a:r>
+            <a:r>
               <a:rPr lang="en-US" dirty="0" err="1"/>
-              <a:t>Screenshoot</a:t>
-            </a:r>
+              <a:t>Digunakan</a:t>
+            </a:r>
+            <a:endParaRPr lang="id-ID" dirty="0"/>
+          </a:p>
+        </p:txBody>
+      </p:sp>
+      <p:sp>
+        <p:nvSpPr>
+          <p:cNvPr id="3" name="Content Placeholder 2">
+            <a:extLst>
+              <a:ext uri="{FF2B5EF4-FFF2-40B4-BE49-F238E27FC236}">
+                <a16:creationId xmlns:a16="http://schemas.microsoft.com/office/drawing/2014/main" id="{66F5689D-079A-4356-92FD-F473DAC33F9A}"/>
+              </a:ext>
+            </a:extLst>
+          </p:cNvPr>
+          <p:cNvSpPr>
+            <a:spLocks noGrp="1"/>
+          </p:cNvSpPr>
+          <p:nvPr>
+            <p:ph idx="1"/>
+          </p:nvPr>
+        </p:nvSpPr>
+        <p:spPr/>
+        <p:txBody>
+          <a:bodyPr/>
+          <a:lstStyle/>
+          <a:p>
             <a:r>
               <a:rPr lang="en-US" dirty="0"/>
-              <a:t> Weka</a:t>
-            </a:r>
+              <a:t>Weka</a:t>
+            </a:r>
+          </a:p>
+          <a:p>
+            <a:r>
+              <a:rPr lang="en-US" dirty="0"/>
+              <a:t>Visual Studio Code </a:t>
+            </a:r>
+            <a:r>
+              <a:rPr lang="en-US" dirty="0" err="1"/>
+              <a:t>dengan</a:t>
+            </a:r>
+            <a:r>
+              <a:rPr lang="en-US" dirty="0"/>
+              <a:t> </a:t>
+            </a:r>
+            <a:r>
+              <a:rPr lang="en-US" dirty="0" err="1"/>
+              <a:t>menggunakan</a:t>
+            </a:r>
+            <a:r>
+              <a:rPr lang="en-US" dirty="0"/>
+              <a:t> </a:t>
+            </a:r>
+            <a:r>
+              <a:rPr lang="en-US" dirty="0" err="1"/>
+              <a:t>bahasa</a:t>
+            </a:r>
+            <a:r>
+              <a:rPr lang="en-US" dirty="0"/>
+              <a:t> </a:t>
+            </a:r>
+            <a:r>
+              <a:rPr lang="en-US" dirty="0" err="1"/>
+              <a:t>pemrograman</a:t>
+            </a:r>
+            <a:r>
+              <a:rPr lang="en-US" dirty="0"/>
+              <a:t> Python3</a:t>
+            </a:r>
+          </a:p>
+          <a:p>
+            <a:pPr marL="0" indent="0">
+              <a:buNone/>
+            </a:pPr>
             <a:endParaRPr lang="id-ID" dirty="0"/>
           </a:p>
         </p:txBody>
@@ -16849,7 +18629,7 @@
           <p:cNvPr id="4" name="Footer Placeholder 3">
             <a:extLst>
               <a:ext uri="{FF2B5EF4-FFF2-40B4-BE49-F238E27FC236}">
-                <a16:creationId xmlns:a16="http://schemas.microsoft.com/office/drawing/2014/main" id="{9ACEC9AF-B0DA-489F-B161-B3212418BE47}"/>
+                <a16:creationId xmlns:a16="http://schemas.microsoft.com/office/drawing/2014/main" id="{48F69419-D7D7-44FC-AD5C-6E02CACAA23D}"/>
               </a:ext>
             </a:extLst>
           </p:cNvPr>
@@ -16879,7 +18659,7 @@
           <p:cNvPr id="5" name="Slide Number Placeholder 4">
             <a:extLst>
               <a:ext uri="{FF2B5EF4-FFF2-40B4-BE49-F238E27FC236}">
-                <a16:creationId xmlns:a16="http://schemas.microsoft.com/office/drawing/2014/main" id="{24C1B0B9-54EF-45A4-8CDE-4A5F1C26B7FC}"/>
+                <a16:creationId xmlns:a16="http://schemas.microsoft.com/office/drawing/2014/main" id="{9F92951C-B42C-4CDC-B5D7-4EC1E091BE0F}"/>
               </a:ext>
             </a:extLst>
           </p:cNvPr>
@@ -16909,7 +18689,7 @@
           <p:cNvPr id="6" name="Text Placeholder 5">
             <a:extLst>
               <a:ext uri="{FF2B5EF4-FFF2-40B4-BE49-F238E27FC236}">
-                <a16:creationId xmlns:a16="http://schemas.microsoft.com/office/drawing/2014/main" id="{016687A7-7413-4197-B335-8351EDCDC3DE}"/>
+                <a16:creationId xmlns:a16="http://schemas.microsoft.com/office/drawing/2014/main" id="{B979049D-16DF-49F3-85AD-0674848110FF}"/>
               </a:ext>
             </a:extLst>
           </p:cNvPr>
@@ -16925,56 +18705,14 @@
           <a:bodyPr/>
           <a:lstStyle/>
           <a:p>
-            <a:r>
-              <a:rPr lang="en-US" dirty="0"/>
-              <a:t>Hasil data </a:t>
-            </a:r>
-            <a:r>
-              <a:rPr lang="en-US" dirty="0" err="1"/>
-              <a:t>sebelum</a:t>
-            </a:r>
-            <a:r>
-              <a:rPr lang="en-US" dirty="0"/>
-              <a:t> pre-processing</a:t>
-            </a:r>
-            <a:endParaRPr lang="id-ID" dirty="0"/>
-          </a:p>
-        </p:txBody>
-      </p:sp>
-      <p:pic>
-        <p:nvPicPr>
-          <p:cNvPr id="7" name="Picture 6">
-            <a:extLst>
-              <a:ext uri="{FF2B5EF4-FFF2-40B4-BE49-F238E27FC236}">
-                <a16:creationId xmlns:a16="http://schemas.microsoft.com/office/drawing/2014/main" id="{2999FC6F-3340-496B-AB30-028457906C0F}"/>
-              </a:ext>
-            </a:extLst>
-          </p:cNvPr>
-          <p:cNvPicPr>
-            <a:picLocks noChangeAspect="1"/>
-          </p:cNvPicPr>
-          <p:nvPr/>
-        </p:nvPicPr>
-        <p:blipFill>
-          <a:blip r:embed="rId2"/>
-          <a:stretch>
-            <a:fillRect/>
-          </a:stretch>
-        </p:blipFill>
-        <p:spPr>
-          <a:xfrm>
-            <a:off x="1430097" y="1463926"/>
-            <a:ext cx="8853387" cy="4742886"/>
-          </a:xfrm>
-          <a:prstGeom prst="rect">
-            <a:avLst/>
-          </a:prstGeom>
-        </p:spPr>
-      </p:pic>
+            <a:endParaRPr lang="id-ID"/>
+          </a:p>
+        </p:txBody>
+      </p:sp>
     </p:spTree>
     <p:extLst>
       <p:ext uri="{BB962C8B-B14F-4D97-AF65-F5344CB8AC3E}">
-        <p14:creationId xmlns:p14="http://schemas.microsoft.com/office/powerpoint/2010/main" val="1692280151"/>
+        <p14:creationId xmlns:p14="http://schemas.microsoft.com/office/powerpoint/2010/main" val="3464773620"/>
       </p:ext>
     </p:extLst>
   </p:cSld>
@@ -17006,7 +18744,7 @@
           <p:cNvPr id="2" name="Title 1">
             <a:extLst>
               <a:ext uri="{FF2B5EF4-FFF2-40B4-BE49-F238E27FC236}">
-                <a16:creationId xmlns:a16="http://schemas.microsoft.com/office/drawing/2014/main" id="{D0EEA856-34E8-4ECD-B6AC-98C261237D43}"/>
+                <a16:creationId xmlns:a16="http://schemas.microsoft.com/office/drawing/2014/main" id="{130420EE-3262-4D3A-BFA3-5DFACF61AB0F}"/>
               </a:ext>
             </a:extLst>
           </p:cNvPr>
@@ -17024,11 +18762,15 @@
           <a:p>
             <a:r>
               <a:rPr lang="en-US" dirty="0" err="1"/>
-              <a:t>Screenshoot</a:t>
+              <a:t>Tahapan</a:t>
             </a:r>
             <a:r>
               <a:rPr lang="en-US" dirty="0"/>
-              <a:t> Weka</a:t>
+              <a:t> </a:t>
+            </a:r>
+            <a:r>
+              <a:rPr lang="en-US" dirty="0" err="1"/>
+              <a:t>Pengerjaan</a:t>
             </a:r>
             <a:endParaRPr lang="id-ID" dirty="0"/>
           </a:p>
@@ -17039,7 +18781,7 @@
           <p:cNvPr id="4" name="Footer Placeholder 3">
             <a:extLst>
               <a:ext uri="{FF2B5EF4-FFF2-40B4-BE49-F238E27FC236}">
-                <a16:creationId xmlns:a16="http://schemas.microsoft.com/office/drawing/2014/main" id="{9ACEC9AF-B0DA-489F-B161-B3212418BE47}"/>
+                <a16:creationId xmlns:a16="http://schemas.microsoft.com/office/drawing/2014/main" id="{74C991DF-FB3D-46DA-824C-2F7B157A7665}"/>
               </a:ext>
             </a:extLst>
           </p:cNvPr>
@@ -17069,7 +18811,7 @@
           <p:cNvPr id="5" name="Slide Number Placeholder 4">
             <a:extLst>
               <a:ext uri="{FF2B5EF4-FFF2-40B4-BE49-F238E27FC236}">
-                <a16:creationId xmlns:a16="http://schemas.microsoft.com/office/drawing/2014/main" id="{24C1B0B9-54EF-45A4-8CDE-4A5F1C26B7FC}"/>
+                <a16:creationId xmlns:a16="http://schemas.microsoft.com/office/drawing/2014/main" id="{93F89EFB-D6BF-4A00-9044-1428D99CEA7C}"/>
               </a:ext>
             </a:extLst>
           </p:cNvPr>
@@ -17099,7 +18841,7 @@
           <p:cNvPr id="6" name="Text Placeholder 5">
             <a:extLst>
               <a:ext uri="{FF2B5EF4-FFF2-40B4-BE49-F238E27FC236}">
-                <a16:creationId xmlns:a16="http://schemas.microsoft.com/office/drawing/2014/main" id="{016687A7-7413-4197-B335-8351EDCDC3DE}"/>
+                <a16:creationId xmlns:a16="http://schemas.microsoft.com/office/drawing/2014/main" id="{FD2BA136-42CC-4654-914F-A6475CAA3044}"/>
               </a:ext>
             </a:extLst>
           </p:cNvPr>
@@ -17115,56 +18857,350 @@
           <a:bodyPr/>
           <a:lstStyle/>
           <a:p>
-            <a:r>
-              <a:rPr lang="en-US" dirty="0"/>
-              <a:t>Hasil data </a:t>
-            </a:r>
-            <a:r>
-              <a:rPr lang="en-US" dirty="0" err="1"/>
-              <a:t>sesudah</a:t>
-            </a:r>
-            <a:r>
-              <a:rPr lang="en-US" dirty="0"/>
-              <a:t> pre-processing</a:t>
-            </a:r>
             <a:endParaRPr lang="id-ID" dirty="0"/>
           </a:p>
         </p:txBody>
       </p:sp>
-      <p:pic>
-        <p:nvPicPr>
-          <p:cNvPr id="8" name="Picture 7">
-            <a:extLst>
-              <a:ext uri="{FF2B5EF4-FFF2-40B4-BE49-F238E27FC236}">
-                <a16:creationId xmlns:a16="http://schemas.microsoft.com/office/drawing/2014/main" id="{9FAE0BC9-E451-422D-BAB3-494A3631182F}"/>
-              </a:ext>
-            </a:extLst>
-          </p:cNvPr>
-          <p:cNvPicPr>
-            <a:picLocks noChangeAspect="1"/>
-          </p:cNvPicPr>
+      <p:sp>
+        <p:nvSpPr>
+          <p:cNvPr id="8" name="TextBox 7">
+            <a:extLst>
+              <a:ext uri="{FF2B5EF4-FFF2-40B4-BE49-F238E27FC236}">
+                <a16:creationId xmlns:a16="http://schemas.microsoft.com/office/drawing/2014/main" id="{A10F4A33-E021-49BF-B711-DD55B3BDCB76}"/>
+              </a:ext>
+            </a:extLst>
+          </p:cNvPr>
+          <p:cNvSpPr txBox="1"/>
           <p:nvPr/>
-        </p:nvPicPr>
-        <p:blipFill>
-          <a:blip r:embed="rId2"/>
-          <a:stretch>
-            <a:fillRect/>
-          </a:stretch>
-        </p:blipFill>
-        <p:spPr>
-          <a:xfrm>
-            <a:off x="1413877" y="1577025"/>
-            <a:ext cx="8602321" cy="4623016"/>
+        </p:nvSpPr>
+        <p:spPr>
+          <a:xfrm>
+            <a:off x="731520" y="1969477"/>
+            <a:ext cx="10424160" cy="4135901"/>
           </a:xfrm>
           <a:prstGeom prst="rect">
             <a:avLst/>
           </a:prstGeom>
         </p:spPr>
-      </p:pic>
+        <p:txBody>
+          <a:bodyPr vert="horz" wrap="square" lIns="91440" tIns="45720" rIns="91440" bIns="45720" rtlCol="0" anchor="t">
+            <a:noAutofit/>
+          </a:bodyPr>
+          <a:lstStyle/>
+          <a:p>
+            <a:pPr marL="285750" indent="-285750">
+              <a:buFont typeface="Arial" panose="020B0604020202020204" pitchFamily="34" charset="0"/>
+              <a:buChar char="•"/>
+            </a:pPr>
+            <a:r>
+              <a:rPr lang="en-US" sz="2000" dirty="0"/>
+              <a:t>Pre-processing	: </a:t>
+            </a:r>
+          </a:p>
+          <a:p>
+            <a:pPr marL="800100" lvl="1" indent="-342900">
+              <a:buFont typeface="Courier New" panose="02070309020205020404" pitchFamily="49" charset="0"/>
+              <a:buChar char="o"/>
+            </a:pPr>
+            <a:r>
+              <a:rPr lang="en-US" sz="2000" dirty="0" err="1"/>
+              <a:t>Menghilangkan</a:t>
+            </a:r>
+            <a:r>
+              <a:rPr lang="en-US" sz="2000" dirty="0"/>
+              <a:t> outlier yang </a:t>
+            </a:r>
+            <a:r>
+              <a:rPr lang="en-US" sz="2000" dirty="0" err="1"/>
+              <a:t>ada</a:t>
+            </a:r>
+            <a:r>
+              <a:rPr lang="en-US" sz="2000" dirty="0"/>
+              <a:t>. </a:t>
+            </a:r>
+          </a:p>
+          <a:p>
+            <a:pPr marL="800100" lvl="1" indent="-342900">
+              <a:buFont typeface="Courier New" panose="02070309020205020404" pitchFamily="49" charset="0"/>
+              <a:buChar char="o"/>
+            </a:pPr>
+            <a:r>
+              <a:rPr lang="en-US" sz="2000" dirty="0" err="1"/>
+              <a:t>Mengisi</a:t>
+            </a:r>
+            <a:r>
+              <a:rPr lang="en-US" sz="2000" dirty="0"/>
+              <a:t> missing values. </a:t>
+            </a:r>
+          </a:p>
+          <a:p>
+            <a:pPr marL="285750" indent="-285750">
+              <a:buFont typeface="Arial" panose="020B0604020202020204" pitchFamily="34" charset="0"/>
+              <a:buChar char="•"/>
+            </a:pPr>
+            <a:r>
+              <a:rPr lang="en-US" sz="2000" dirty="0"/>
+              <a:t>Weka		: </a:t>
+            </a:r>
+          </a:p>
+          <a:p>
+            <a:pPr marL="800100" lvl="1" indent="-342900">
+              <a:buFont typeface="Courier New" panose="02070309020205020404" pitchFamily="49" charset="0"/>
+              <a:buChar char="o"/>
+            </a:pPr>
+            <a:r>
+              <a:rPr lang="en-US" sz="2000" dirty="0" err="1"/>
+              <a:t>Mencoba</a:t>
+            </a:r>
+            <a:r>
+              <a:rPr lang="en-US" sz="2000" dirty="0"/>
+              <a:t> </a:t>
+            </a:r>
+            <a:r>
+              <a:rPr lang="en-US" sz="2000" dirty="0" err="1"/>
+              <a:t>klasifikasi</a:t>
+            </a:r>
+            <a:r>
+              <a:rPr lang="en-US" sz="2000" dirty="0"/>
+              <a:t> SVM </a:t>
+            </a:r>
+            <a:r>
+              <a:rPr lang="en-US" sz="2000" dirty="0" err="1"/>
+              <a:t>menggunakan</a:t>
+            </a:r>
+            <a:r>
+              <a:rPr lang="en-US" sz="2000" dirty="0"/>
+              <a:t> tools yang </a:t>
+            </a:r>
+            <a:r>
+              <a:rPr lang="en-US" sz="2000" dirty="0" err="1"/>
+              <a:t>ada</a:t>
+            </a:r>
+            <a:r>
+              <a:rPr lang="en-US" sz="2000" dirty="0"/>
+              <a:t> di Weka. </a:t>
+            </a:r>
+          </a:p>
+          <a:p>
+            <a:pPr marL="800100" lvl="1" indent="-342900">
+              <a:buFont typeface="Courier New" panose="02070309020205020404" pitchFamily="49" charset="0"/>
+              <a:buChar char="o"/>
+            </a:pPr>
+            <a:r>
+              <a:rPr lang="en-US" sz="2000" dirty="0" err="1"/>
+              <a:t>Menggunakan</a:t>
+            </a:r>
+            <a:r>
+              <a:rPr lang="en-US" sz="2000" dirty="0"/>
+              <a:t> Supply Test Set. </a:t>
+            </a:r>
+          </a:p>
+          <a:p>
+            <a:pPr marL="800100" lvl="1" indent="-342900">
+              <a:buFont typeface="Courier New" panose="02070309020205020404" pitchFamily="49" charset="0"/>
+              <a:buChar char="o"/>
+            </a:pPr>
+            <a:r>
+              <a:rPr lang="en-US" sz="2000" dirty="0" err="1"/>
+              <a:t>Menerapkan</a:t>
+            </a:r>
+            <a:r>
+              <a:rPr lang="en-US" sz="2000" dirty="0"/>
+              <a:t> data </a:t>
+            </a:r>
+            <a:r>
+              <a:rPr lang="en-US" sz="2000" dirty="0" err="1"/>
+              <a:t>sebelum</a:t>
+            </a:r>
+            <a:r>
+              <a:rPr lang="en-US" sz="2000" dirty="0"/>
+              <a:t> pre-processing dan </a:t>
+            </a:r>
+            <a:r>
+              <a:rPr lang="en-US" sz="2000" dirty="0" err="1"/>
+              <a:t>sesudah</a:t>
+            </a:r>
+            <a:r>
+              <a:rPr lang="en-US" sz="2000" dirty="0"/>
+              <a:t> pre-processing dan </a:t>
+            </a:r>
+            <a:r>
+              <a:rPr lang="en-US" sz="2000" dirty="0" err="1"/>
+              <a:t>membandingkan</a:t>
+            </a:r>
+            <a:r>
+              <a:rPr lang="en-US" sz="2000" dirty="0"/>
+              <a:t> </a:t>
+            </a:r>
+            <a:r>
+              <a:rPr lang="en-US" sz="2000" dirty="0" err="1"/>
+              <a:t>akurasi</a:t>
+            </a:r>
+            <a:r>
+              <a:rPr lang="en-US" sz="2000" dirty="0"/>
+              <a:t>, </a:t>
+            </a:r>
+            <a:r>
+              <a:rPr lang="en-US" sz="2000" dirty="0" err="1"/>
+              <a:t>presisi</a:t>
+            </a:r>
+            <a:r>
+              <a:rPr lang="en-US" sz="2000" dirty="0"/>
+              <a:t>, dan recall </a:t>
+            </a:r>
+            <a:r>
+              <a:rPr lang="en-US" sz="2000" dirty="0" err="1"/>
+              <a:t>keduanya</a:t>
+            </a:r>
+            <a:r>
+              <a:rPr lang="en-US" sz="2000" dirty="0"/>
+              <a:t>.</a:t>
+            </a:r>
+          </a:p>
+          <a:p>
+            <a:pPr marL="285750" indent="-285750">
+              <a:buFont typeface="Arial" panose="020B0604020202020204" pitchFamily="34" charset="0"/>
+              <a:buChar char="•"/>
+            </a:pPr>
+            <a:r>
+              <a:rPr lang="en-US" sz="2000" dirty="0"/>
+              <a:t>Python	: </a:t>
+            </a:r>
+          </a:p>
+          <a:p>
+            <a:pPr marL="800100" lvl="1" indent="-342900">
+              <a:buFont typeface="Courier New" panose="02070309020205020404" pitchFamily="49" charset="0"/>
+              <a:buChar char="o"/>
+            </a:pPr>
+            <a:r>
+              <a:rPr lang="en-US" sz="2000" dirty="0" err="1"/>
+              <a:t>Mencoba</a:t>
+            </a:r>
+            <a:r>
+              <a:rPr lang="en-US" sz="2000" dirty="0"/>
+              <a:t> </a:t>
+            </a:r>
+            <a:r>
+              <a:rPr lang="en-US" sz="2000" dirty="0" err="1"/>
+              <a:t>klasifikasi</a:t>
+            </a:r>
+            <a:r>
+              <a:rPr lang="en-US" sz="2000" dirty="0"/>
+              <a:t> SVM </a:t>
+            </a:r>
+            <a:r>
+              <a:rPr lang="en-US" sz="2000" dirty="0" err="1"/>
+              <a:t>menggunakan</a:t>
+            </a:r>
+            <a:r>
+              <a:rPr lang="en-US" sz="2000" dirty="0"/>
+              <a:t> library yang </a:t>
+            </a:r>
+            <a:r>
+              <a:rPr lang="en-US" sz="2000" dirty="0" err="1"/>
+              <a:t>tersedia</a:t>
+            </a:r>
+            <a:r>
+              <a:rPr lang="en-US" sz="2000" dirty="0"/>
+              <a:t> di Python.</a:t>
+            </a:r>
+          </a:p>
+          <a:p>
+            <a:pPr marL="800100" lvl="1" indent="-342900">
+              <a:buFont typeface="Courier New" panose="02070309020205020404" pitchFamily="49" charset="0"/>
+              <a:buChar char="o"/>
+            </a:pPr>
+            <a:r>
+              <a:rPr lang="en-US" sz="2000" dirty="0" err="1"/>
+              <a:t>Menggunakan</a:t>
+            </a:r>
+            <a:r>
+              <a:rPr lang="en-US" sz="2000" dirty="0"/>
+              <a:t> kernel.</a:t>
+            </a:r>
+          </a:p>
+          <a:p>
+            <a:pPr marL="800100" lvl="1" indent="-342900">
+              <a:buFont typeface="Courier New" panose="02070309020205020404" pitchFamily="49" charset="0"/>
+              <a:buChar char="o"/>
+            </a:pPr>
+            <a:r>
+              <a:rPr lang="en-US" sz="2000" dirty="0" err="1"/>
+              <a:t>Menerapkan</a:t>
+            </a:r>
+            <a:r>
+              <a:rPr lang="en-US" sz="2000" dirty="0"/>
+              <a:t> data </a:t>
+            </a:r>
+            <a:r>
+              <a:rPr lang="en-US" sz="2000" dirty="0" err="1"/>
+              <a:t>sebelum</a:t>
+            </a:r>
+            <a:r>
+              <a:rPr lang="en-US" sz="2000" dirty="0"/>
+              <a:t> pre-processing dan </a:t>
+            </a:r>
+            <a:r>
+              <a:rPr lang="en-US" sz="2000" dirty="0" err="1"/>
+              <a:t>sesudah</a:t>
+            </a:r>
+            <a:r>
+              <a:rPr lang="en-US" sz="2000" dirty="0"/>
+              <a:t> pre-processing dan </a:t>
+            </a:r>
+            <a:r>
+              <a:rPr lang="en-US" sz="2000" dirty="0" err="1"/>
+              <a:t>membandingkan</a:t>
+            </a:r>
+            <a:r>
+              <a:rPr lang="en-US" sz="2000" dirty="0"/>
+              <a:t> </a:t>
+            </a:r>
+            <a:r>
+              <a:rPr lang="en-US" sz="2000" dirty="0" err="1"/>
+              <a:t>akurasi</a:t>
+            </a:r>
+            <a:r>
+              <a:rPr lang="en-US" sz="2000" dirty="0"/>
+              <a:t>, </a:t>
+            </a:r>
+            <a:r>
+              <a:rPr lang="en-US" sz="2000" dirty="0" err="1"/>
+              <a:t>presisi</a:t>
+            </a:r>
+            <a:r>
+              <a:rPr lang="en-US" sz="2000" dirty="0"/>
+              <a:t>, dan recall </a:t>
+            </a:r>
+            <a:r>
+              <a:rPr lang="en-US" sz="2000" dirty="0" err="1"/>
+              <a:t>keduanya</a:t>
+            </a:r>
+            <a:r>
+              <a:rPr lang="en-US" sz="2000" dirty="0"/>
+              <a:t>.</a:t>
+            </a:r>
+          </a:p>
+          <a:p>
+            <a:pPr marL="285750" indent="-285750">
+              <a:buFont typeface="Arial" panose="020B0604020202020204" pitchFamily="34" charset="0"/>
+              <a:buChar char="•"/>
+            </a:pPr>
+            <a:endParaRPr lang="en-US" sz="2000" dirty="0"/>
+          </a:p>
+          <a:p>
+            <a:pPr marL="742950" lvl="1" indent="-285750">
+              <a:buFont typeface="Courier New" panose="02070309020205020404" pitchFamily="49" charset="0"/>
+              <a:buChar char="o"/>
+            </a:pPr>
+            <a:endParaRPr lang="en-US" sz="2000" dirty="0"/>
+          </a:p>
+        </p:txBody>
+      </p:sp>
     </p:spTree>
     <p:extLst>
       <p:ext uri="{BB962C8B-B14F-4D97-AF65-F5344CB8AC3E}">
-        <p14:creationId xmlns:p14="http://schemas.microsoft.com/office/powerpoint/2010/main" val="1912929390"/>
+        <p14:creationId xmlns:p14="http://schemas.microsoft.com/office/powerpoint/2010/main" val="3250469235"/>
       </p:ext>
     </p:extLst>
   </p:cSld>
@@ -17196,7 +19232,7 @@
           <p:cNvPr id="2" name="Title 1">
             <a:extLst>
               <a:ext uri="{FF2B5EF4-FFF2-40B4-BE49-F238E27FC236}">
-                <a16:creationId xmlns:a16="http://schemas.microsoft.com/office/drawing/2014/main" id="{CDAAB38D-205E-477B-9259-9DBC2FCCC4F8}"/>
+                <a16:creationId xmlns:a16="http://schemas.microsoft.com/office/drawing/2014/main" id="{D0EEA856-34E8-4ECD-B6AC-98C261237D43}"/>
               </a:ext>
             </a:extLst>
           </p:cNvPr>
@@ -17218,7 +19254,7 @@
             </a:r>
             <a:r>
               <a:rPr lang="en-US" dirty="0"/>
-              <a:t> Program Python</a:t>
+              <a:t> Weka</a:t>
             </a:r>
             <a:endParaRPr lang="id-ID" dirty="0"/>
           </a:p>
@@ -17226,35 +19262,10 @@
       </p:sp>
       <p:sp>
         <p:nvSpPr>
-          <p:cNvPr id="3" name="Content Placeholder 2">
-            <a:extLst>
-              <a:ext uri="{FF2B5EF4-FFF2-40B4-BE49-F238E27FC236}">
-                <a16:creationId xmlns:a16="http://schemas.microsoft.com/office/drawing/2014/main" id="{F70089A0-B6C0-4BC0-B432-874F1DC07A7D}"/>
-              </a:ext>
-            </a:extLst>
-          </p:cNvPr>
-          <p:cNvSpPr>
-            <a:spLocks noGrp="1"/>
-          </p:cNvSpPr>
-          <p:nvPr>
-            <p:ph idx="1"/>
-          </p:nvPr>
-        </p:nvSpPr>
-        <p:spPr/>
-        <p:txBody>
-          <a:bodyPr/>
-          <a:lstStyle/>
-          <a:p>
-            <a:endParaRPr lang="id-ID"/>
-          </a:p>
-        </p:txBody>
-      </p:sp>
-      <p:sp>
-        <p:nvSpPr>
           <p:cNvPr id="4" name="Footer Placeholder 3">
             <a:extLst>
               <a:ext uri="{FF2B5EF4-FFF2-40B4-BE49-F238E27FC236}">
-                <a16:creationId xmlns:a16="http://schemas.microsoft.com/office/drawing/2014/main" id="{1818712A-AA4A-48AD-B519-038F48C7DAA7}"/>
+                <a16:creationId xmlns:a16="http://schemas.microsoft.com/office/drawing/2014/main" id="{9ACEC9AF-B0DA-489F-B161-B3212418BE47}"/>
               </a:ext>
             </a:extLst>
           </p:cNvPr>
@@ -17284,7 +19295,7 @@
           <p:cNvPr id="5" name="Slide Number Placeholder 4">
             <a:extLst>
               <a:ext uri="{FF2B5EF4-FFF2-40B4-BE49-F238E27FC236}">
-                <a16:creationId xmlns:a16="http://schemas.microsoft.com/office/drawing/2014/main" id="{43371362-1484-4988-918A-E2D2FB89A576}"/>
+                <a16:creationId xmlns:a16="http://schemas.microsoft.com/office/drawing/2014/main" id="{24C1B0B9-54EF-45A4-8CDE-4A5F1C26B7FC}"/>
               </a:ext>
             </a:extLst>
           </p:cNvPr>
@@ -17314,7 +19325,7 @@
           <p:cNvPr id="6" name="Text Placeholder 5">
             <a:extLst>
               <a:ext uri="{FF2B5EF4-FFF2-40B4-BE49-F238E27FC236}">
-                <a16:creationId xmlns:a16="http://schemas.microsoft.com/office/drawing/2014/main" id="{36159E92-D35D-4591-A566-5DEF5DF7BD80}"/>
+                <a16:creationId xmlns:a16="http://schemas.microsoft.com/office/drawing/2014/main" id="{016687A7-7413-4197-B335-8351EDCDC3DE}"/>
               </a:ext>
             </a:extLst>
           </p:cNvPr>
@@ -17330,14 +19341,246 @@
           <a:bodyPr/>
           <a:lstStyle/>
           <a:p>
-            <a:endParaRPr lang="id-ID"/>
-          </a:p>
-        </p:txBody>
-      </p:sp>
+            <a:r>
+              <a:rPr lang="en-US" dirty="0"/>
+              <a:t>Hasil data </a:t>
+            </a:r>
+            <a:r>
+              <a:rPr lang="en-US" dirty="0" err="1"/>
+              <a:t>sebelum</a:t>
+            </a:r>
+            <a:r>
+              <a:rPr lang="en-US" dirty="0"/>
+              <a:t> pre-processing</a:t>
+            </a:r>
+            <a:endParaRPr lang="id-ID" dirty="0"/>
+          </a:p>
+        </p:txBody>
+      </p:sp>
+      <p:pic>
+        <p:nvPicPr>
+          <p:cNvPr id="7" name="Picture 6">
+            <a:extLst>
+              <a:ext uri="{FF2B5EF4-FFF2-40B4-BE49-F238E27FC236}">
+                <a16:creationId xmlns:a16="http://schemas.microsoft.com/office/drawing/2014/main" id="{2999FC6F-3340-496B-AB30-028457906C0F}"/>
+              </a:ext>
+            </a:extLst>
+          </p:cNvPr>
+          <p:cNvPicPr>
+            <a:picLocks noChangeAspect="1"/>
+          </p:cNvPicPr>
+          <p:nvPr/>
+        </p:nvPicPr>
+        <p:blipFill>
+          <a:blip r:embed="rId2"/>
+          <a:stretch>
+            <a:fillRect/>
+          </a:stretch>
+        </p:blipFill>
+        <p:spPr>
+          <a:xfrm>
+            <a:off x="1430097" y="1463926"/>
+            <a:ext cx="8853387" cy="4742886"/>
+          </a:xfrm>
+          <a:prstGeom prst="rect">
+            <a:avLst/>
+          </a:prstGeom>
+        </p:spPr>
+      </p:pic>
     </p:spTree>
     <p:extLst>
       <p:ext uri="{BB962C8B-B14F-4D97-AF65-F5344CB8AC3E}">
-        <p14:creationId xmlns:p14="http://schemas.microsoft.com/office/powerpoint/2010/main" val="1821120341"/>
+        <p14:creationId xmlns:p14="http://schemas.microsoft.com/office/powerpoint/2010/main" val="1692280151"/>
+      </p:ext>
+    </p:extLst>
+  </p:cSld>
+  <p:clrMapOvr>
+    <a:masterClrMapping/>
+  </p:clrMapOvr>
+</p:sld>
+</file>
+
+<file path=ppt/slides/slide9.xml><?xml version="1.0" encoding="utf-8"?>
+<p:sld xmlns:a="http://schemas.openxmlformats.org/drawingml/2006/main" xmlns:r="http://schemas.openxmlformats.org/officeDocument/2006/relationships" xmlns:p="http://schemas.openxmlformats.org/presentationml/2006/main">
+  <p:cSld>
+    <p:spTree>
+      <p:nvGrpSpPr>
+        <p:cNvPr id="1" name=""/>
+        <p:cNvGrpSpPr/>
+        <p:nvPr/>
+      </p:nvGrpSpPr>
+      <p:grpSpPr>
+        <a:xfrm>
+          <a:off x="0" y="0"/>
+          <a:ext cx="0" cy="0"/>
+          <a:chOff x="0" y="0"/>
+          <a:chExt cx="0" cy="0"/>
+        </a:xfrm>
+      </p:grpSpPr>
+      <p:sp>
+        <p:nvSpPr>
+          <p:cNvPr id="2" name="Title 1">
+            <a:extLst>
+              <a:ext uri="{FF2B5EF4-FFF2-40B4-BE49-F238E27FC236}">
+                <a16:creationId xmlns:a16="http://schemas.microsoft.com/office/drawing/2014/main" id="{D0EEA856-34E8-4ECD-B6AC-98C261237D43}"/>
+              </a:ext>
+            </a:extLst>
+          </p:cNvPr>
+          <p:cNvSpPr>
+            <a:spLocks noGrp="1"/>
+          </p:cNvSpPr>
+          <p:nvPr>
+            <p:ph type="title"/>
+          </p:nvPr>
+        </p:nvSpPr>
+        <p:spPr/>
+        <p:txBody>
+          <a:bodyPr/>
+          <a:lstStyle/>
+          <a:p>
+            <a:r>
+              <a:rPr lang="en-US" dirty="0" err="1"/>
+              <a:t>Screenshoot</a:t>
+            </a:r>
+            <a:r>
+              <a:rPr lang="en-US" dirty="0"/>
+              <a:t> Weka</a:t>
+            </a:r>
+            <a:endParaRPr lang="id-ID" dirty="0"/>
+          </a:p>
+        </p:txBody>
+      </p:sp>
+      <p:sp>
+        <p:nvSpPr>
+          <p:cNvPr id="4" name="Footer Placeholder 3">
+            <a:extLst>
+              <a:ext uri="{FF2B5EF4-FFF2-40B4-BE49-F238E27FC236}">
+                <a16:creationId xmlns:a16="http://schemas.microsoft.com/office/drawing/2014/main" id="{9ACEC9AF-B0DA-489F-B161-B3212418BE47}"/>
+              </a:ext>
+            </a:extLst>
+          </p:cNvPr>
+          <p:cNvSpPr>
+            <a:spLocks noGrp="1"/>
+          </p:cNvSpPr>
+          <p:nvPr>
+            <p:ph type="ftr" sz="quarter" idx="11"/>
+          </p:nvPr>
+        </p:nvSpPr>
+        <p:spPr/>
+        <p:txBody>
+          <a:bodyPr/>
+          <a:lstStyle/>
+          <a:p>
+            <a:pPr algn="l"/>
+            <a:r>
+              <a:rPr lang="en-US"/>
+              <a:t>www.telkomuniversity.ac.id | www.apkit.co.id</a:t>
+            </a:r>
+            <a:endParaRPr lang="en-US" dirty="0"/>
+          </a:p>
+        </p:txBody>
+      </p:sp>
+      <p:sp>
+        <p:nvSpPr>
+          <p:cNvPr id="5" name="Slide Number Placeholder 4">
+            <a:extLst>
+              <a:ext uri="{FF2B5EF4-FFF2-40B4-BE49-F238E27FC236}">
+                <a16:creationId xmlns:a16="http://schemas.microsoft.com/office/drawing/2014/main" id="{24C1B0B9-54EF-45A4-8CDE-4A5F1C26B7FC}"/>
+              </a:ext>
+            </a:extLst>
+          </p:cNvPr>
+          <p:cNvSpPr>
+            <a:spLocks noGrp="1"/>
+          </p:cNvSpPr>
+          <p:nvPr>
+            <p:ph type="sldNum" sz="quarter" idx="12"/>
+          </p:nvPr>
+        </p:nvSpPr>
+        <p:spPr/>
+        <p:txBody>
+          <a:bodyPr/>
+          <a:lstStyle/>
+          <a:p>
+            <a:fld id="{D91F020E-B203-4E52-A939-A854FDEDA53C}" type="slidenum">
+              <a:rPr lang="en-US" smtClean="0"/>
+              <a:pPr/>
+              <a:t>9</a:t>
+            </a:fld>
+            <a:endParaRPr lang="en-US"/>
+          </a:p>
+        </p:txBody>
+      </p:sp>
+      <p:sp>
+        <p:nvSpPr>
+          <p:cNvPr id="6" name="Text Placeholder 5">
+            <a:extLst>
+              <a:ext uri="{FF2B5EF4-FFF2-40B4-BE49-F238E27FC236}">
+                <a16:creationId xmlns:a16="http://schemas.microsoft.com/office/drawing/2014/main" id="{016687A7-7413-4197-B335-8351EDCDC3DE}"/>
+              </a:ext>
+            </a:extLst>
+          </p:cNvPr>
+          <p:cNvSpPr>
+            <a:spLocks noGrp="1"/>
+          </p:cNvSpPr>
+          <p:nvPr>
+            <p:ph type="body" sz="quarter" idx="13"/>
+          </p:nvPr>
+        </p:nvSpPr>
+        <p:spPr/>
+        <p:txBody>
+          <a:bodyPr/>
+          <a:lstStyle/>
+          <a:p>
+            <a:r>
+              <a:rPr lang="en-US" dirty="0"/>
+              <a:t>Hasil data </a:t>
+            </a:r>
+            <a:r>
+              <a:rPr lang="en-US" dirty="0" err="1"/>
+              <a:t>sesudah</a:t>
+            </a:r>
+            <a:r>
+              <a:rPr lang="en-US" dirty="0"/>
+              <a:t> pre-processing</a:t>
+            </a:r>
+            <a:endParaRPr lang="id-ID" dirty="0"/>
+          </a:p>
+        </p:txBody>
+      </p:sp>
+      <p:pic>
+        <p:nvPicPr>
+          <p:cNvPr id="8" name="Picture 7">
+            <a:extLst>
+              <a:ext uri="{FF2B5EF4-FFF2-40B4-BE49-F238E27FC236}">
+                <a16:creationId xmlns:a16="http://schemas.microsoft.com/office/drawing/2014/main" id="{9FAE0BC9-E451-422D-BAB3-494A3631182F}"/>
+              </a:ext>
+            </a:extLst>
+          </p:cNvPr>
+          <p:cNvPicPr>
+            <a:picLocks noChangeAspect="1"/>
+          </p:cNvPicPr>
+          <p:nvPr/>
+        </p:nvPicPr>
+        <p:blipFill>
+          <a:blip r:embed="rId2"/>
+          <a:stretch>
+            <a:fillRect/>
+          </a:stretch>
+        </p:blipFill>
+        <p:spPr>
+          <a:xfrm>
+            <a:off x="1413877" y="1577025"/>
+            <a:ext cx="8602321" cy="4623016"/>
+          </a:xfrm>
+          <a:prstGeom prst="rect">
+            <a:avLst/>
+          </a:prstGeom>
+        </p:spPr>
+      </p:pic>
+    </p:spTree>
+    <p:extLst>
+      <p:ext uri="{BB962C8B-B14F-4D97-AF65-F5344CB8AC3E}">
+        <p14:creationId xmlns:p14="http://schemas.microsoft.com/office/powerpoint/2010/main" val="1912929390"/>
       </p:ext>
     </p:extLst>
   </p:cSld>
